--- a/documentation/draft/ci-environment/deploy-process-pattern.pptx
+++ b/documentation/draft/ci-environment/deploy-process-pattern.pptx
@@ -5,15 +5,14 @@
     <p:sldMasterId id="2147483648" r:id="rId1"/>
   </p:sldMasterIdLst>
   <p:notesMasterIdLst>
-    <p:notesMasterId r:id="rId8"/>
+    <p:notesMasterId r:id="rId7"/>
   </p:notesMasterIdLst>
   <p:sldIdLst>
-    <p:sldId id="256" r:id="rId2"/>
-    <p:sldId id="260" r:id="rId3"/>
-    <p:sldId id="257" r:id="rId4"/>
-    <p:sldId id="259" r:id="rId5"/>
-    <p:sldId id="258" r:id="rId6"/>
-    <p:sldId id="261" r:id="rId7"/>
+    <p:sldId id="260" r:id="rId2"/>
+    <p:sldId id="257" r:id="rId3"/>
+    <p:sldId id="259" r:id="rId4"/>
+    <p:sldId id="258" r:id="rId5"/>
+    <p:sldId id="261" r:id="rId6"/>
   </p:sldIdLst>
   <p:sldSz cx="9144000" cy="6858000" type="screen4x3"/>
   <p:notesSz cx="6858000" cy="9144000"/>
@@ -197,7 +196,7 @@
           <a:p>
             <a:fld id="{FAB6B8E2-0BF4-404A-B9B9-B01998036F22}" type="datetimeFigureOut">
               <a:rPr lang="ko-KR" altLang="en-US" smtClean="0"/>
-              <a:t>2012-04-23</a:t>
+              <a:t>2012-07-30</a:t>
             </a:fld>
             <a:endParaRPr lang="ko-KR" altLang="en-US"/>
           </a:p>
@@ -530,7 +529,7 @@
           <a:p>
             <a:fld id="{CC78979A-3F13-470B-986F-CA07C1032D7A}" type="slidenum">
               <a:rPr lang="ko-KR" altLang="en-US" smtClean="0"/>
-              <a:t>2</a:t>
+              <a:t>1</a:t>
             </a:fld>
             <a:endParaRPr lang="ko-KR" altLang="en-US"/>
           </a:p>
@@ -614,7 +613,7 @@
           <a:p>
             <a:fld id="{CC78979A-3F13-470B-986F-CA07C1032D7A}" type="slidenum">
               <a:rPr lang="ko-KR" altLang="en-US" smtClean="0"/>
-              <a:t>3</a:t>
+              <a:t>2</a:t>
             </a:fld>
             <a:endParaRPr lang="ko-KR" altLang="en-US"/>
           </a:p>
@@ -698,7 +697,7 @@
           <a:p>
             <a:fld id="{CC78979A-3F13-470B-986F-CA07C1032D7A}" type="slidenum">
               <a:rPr lang="ko-KR" altLang="en-US" smtClean="0"/>
-              <a:t>4</a:t>
+              <a:t>3</a:t>
             </a:fld>
             <a:endParaRPr lang="ko-KR" altLang="en-US"/>
           </a:p>
@@ -782,7 +781,7 @@
           <a:p>
             <a:fld id="{CC78979A-3F13-470B-986F-CA07C1032D7A}" type="slidenum">
               <a:rPr lang="ko-KR" altLang="en-US" smtClean="0"/>
-              <a:t>5</a:t>
+              <a:t>4</a:t>
             </a:fld>
             <a:endParaRPr lang="ko-KR" altLang="en-US"/>
           </a:p>
@@ -866,7 +865,7 @@
           <a:p>
             <a:fld id="{CC78979A-3F13-470B-986F-CA07C1032D7A}" type="slidenum">
               <a:rPr lang="ko-KR" altLang="en-US" smtClean="0"/>
-              <a:t>6</a:t>
+              <a:t>5</a:t>
             </a:fld>
             <a:endParaRPr lang="ko-KR" altLang="en-US"/>
           </a:p>
@@ -1066,7 +1065,7 @@
           <a:p>
             <a:fld id="{0FECDC9F-8C3B-4188-AB71-7BFCF11D65C2}" type="datetimeFigureOut">
               <a:rPr lang="ko-KR" altLang="en-US" smtClean="0"/>
-              <a:t>2012-04-23</a:t>
+              <a:t>2012-07-30</a:t>
             </a:fld>
             <a:endParaRPr lang="ko-KR" altLang="en-US"/>
           </a:p>
@@ -1236,7 +1235,7 @@
           <a:p>
             <a:fld id="{0FECDC9F-8C3B-4188-AB71-7BFCF11D65C2}" type="datetimeFigureOut">
               <a:rPr lang="ko-KR" altLang="en-US" smtClean="0"/>
-              <a:t>2012-04-23</a:t>
+              <a:t>2012-07-30</a:t>
             </a:fld>
             <a:endParaRPr lang="ko-KR" altLang="en-US"/>
           </a:p>
@@ -1416,7 +1415,7 @@
           <a:p>
             <a:fld id="{0FECDC9F-8C3B-4188-AB71-7BFCF11D65C2}" type="datetimeFigureOut">
               <a:rPr lang="ko-KR" altLang="en-US" smtClean="0"/>
-              <a:t>2012-04-23</a:t>
+              <a:t>2012-07-30</a:t>
             </a:fld>
             <a:endParaRPr lang="ko-KR" altLang="en-US"/>
           </a:p>
@@ -1586,7 +1585,7 @@
           <a:p>
             <a:fld id="{0FECDC9F-8C3B-4188-AB71-7BFCF11D65C2}" type="datetimeFigureOut">
               <a:rPr lang="ko-KR" altLang="en-US" smtClean="0"/>
-              <a:t>2012-04-23</a:t>
+              <a:t>2012-07-30</a:t>
             </a:fld>
             <a:endParaRPr lang="ko-KR" altLang="en-US"/>
           </a:p>
@@ -1832,7 +1831,7 @@
           <a:p>
             <a:fld id="{0FECDC9F-8C3B-4188-AB71-7BFCF11D65C2}" type="datetimeFigureOut">
               <a:rPr lang="ko-KR" altLang="en-US" smtClean="0"/>
-              <a:t>2012-04-23</a:t>
+              <a:t>2012-07-30</a:t>
             </a:fld>
             <a:endParaRPr lang="ko-KR" altLang="en-US"/>
           </a:p>
@@ -2120,7 +2119,7 @@
           <a:p>
             <a:fld id="{0FECDC9F-8C3B-4188-AB71-7BFCF11D65C2}" type="datetimeFigureOut">
               <a:rPr lang="ko-KR" altLang="en-US" smtClean="0"/>
-              <a:t>2012-04-23</a:t>
+              <a:t>2012-07-30</a:t>
             </a:fld>
             <a:endParaRPr lang="ko-KR" altLang="en-US"/>
           </a:p>
@@ -2542,7 +2541,7 @@
           <a:p>
             <a:fld id="{0FECDC9F-8C3B-4188-AB71-7BFCF11D65C2}" type="datetimeFigureOut">
               <a:rPr lang="ko-KR" altLang="en-US" smtClean="0"/>
-              <a:t>2012-04-23</a:t>
+              <a:t>2012-07-30</a:t>
             </a:fld>
             <a:endParaRPr lang="ko-KR" altLang="en-US"/>
           </a:p>
@@ -2660,7 +2659,7 @@
           <a:p>
             <a:fld id="{0FECDC9F-8C3B-4188-AB71-7BFCF11D65C2}" type="datetimeFigureOut">
               <a:rPr lang="ko-KR" altLang="en-US" smtClean="0"/>
-              <a:t>2012-04-23</a:t>
+              <a:t>2012-07-30</a:t>
             </a:fld>
             <a:endParaRPr lang="ko-KR" altLang="en-US"/>
           </a:p>
@@ -2755,7 +2754,7 @@
           <a:p>
             <a:fld id="{0FECDC9F-8C3B-4188-AB71-7BFCF11D65C2}" type="datetimeFigureOut">
               <a:rPr lang="ko-KR" altLang="en-US" smtClean="0"/>
-              <a:t>2012-04-23</a:t>
+              <a:t>2012-07-30</a:t>
             </a:fld>
             <a:endParaRPr lang="ko-KR" altLang="en-US"/>
           </a:p>
@@ -3032,7 +3031,7 @@
           <a:p>
             <a:fld id="{0FECDC9F-8C3B-4188-AB71-7BFCF11D65C2}" type="datetimeFigureOut">
               <a:rPr lang="ko-KR" altLang="en-US" smtClean="0"/>
-              <a:t>2012-04-23</a:t>
+              <a:t>2012-07-30</a:t>
             </a:fld>
             <a:endParaRPr lang="ko-KR" altLang="en-US"/>
           </a:p>
@@ -3285,7 +3284,7 @@
           <a:p>
             <a:fld id="{0FECDC9F-8C3B-4188-AB71-7BFCF11D65C2}" type="datetimeFigureOut">
               <a:rPr lang="ko-KR" altLang="en-US" smtClean="0"/>
-              <a:t>2012-04-23</a:t>
+              <a:t>2012-07-30</a:t>
             </a:fld>
             <a:endParaRPr lang="ko-KR" altLang="en-US"/>
           </a:p>
@@ -3498,7 +3497,7 @@
           <a:p>
             <a:fld id="{0FECDC9F-8C3B-4188-AB71-7BFCF11D65C2}" type="datetimeFigureOut">
               <a:rPr lang="ko-KR" altLang="en-US" smtClean="0"/>
-              <a:t>2012-04-23</a:t>
+              <a:t>2012-07-30</a:t>
             </a:fld>
             <a:endParaRPr lang="ko-KR" altLang="en-US"/>
           </a:p>
@@ -3881,2410 +3880,6 @@
         </p:nvSpPr>
         <p:spPr>
           <a:xfrm>
-            <a:off x="262729" y="2445974"/>
-            <a:ext cx="864096" cy="911018"/>
-          </a:xfrm>
-          <a:prstGeom prst="roundRect">
-            <a:avLst/>
-          </a:prstGeom>
-        </p:spPr>
-        <p:style>
-          <a:lnRef idx="2">
-            <a:schemeClr val="accent1"/>
-          </a:lnRef>
-          <a:fillRef idx="1">
-            <a:schemeClr val="lt1"/>
-          </a:fillRef>
-          <a:effectRef idx="0">
-            <a:schemeClr val="accent1"/>
-          </a:effectRef>
-          <a:fontRef idx="minor">
-            <a:schemeClr val="dk1"/>
-          </a:fontRef>
-        </p:style>
-        <p:txBody>
-          <a:bodyPr rtlCol="0" anchor="ctr"/>
-          <a:lstStyle/>
-          <a:p>
-            <a:pPr algn="ctr"/>
-            <a:r>
-              <a:rPr lang="en-US" altLang="ko-KR" sz="1200" dirty="0" smtClean="0"/>
-              <a:t>Prepare</a:t>
-            </a:r>
-          </a:p>
-          <a:p>
-            <a:pPr algn="ctr"/>
-            <a:r>
-              <a:rPr lang="en-US" altLang="ko-KR" sz="1200" dirty="0" smtClean="0"/>
-              <a:t>App for </a:t>
-            </a:r>
-          </a:p>
-          <a:p>
-            <a:pPr algn="ctr"/>
-            <a:r>
-              <a:rPr lang="en-US" altLang="ko-KR" sz="1200" dirty="0" smtClean="0"/>
-              <a:t>Internal WEB #1</a:t>
-            </a:r>
-            <a:endParaRPr lang="ko-KR" altLang="en-US" sz="1200" dirty="0"/>
-          </a:p>
-        </p:txBody>
-      </p:sp>
-      <p:sp>
-        <p:nvSpPr>
-          <p:cNvPr id="5" name="모서리가 둥근 직사각형 4"/>
-          <p:cNvSpPr/>
-          <p:nvPr/>
-        </p:nvSpPr>
-        <p:spPr>
-          <a:xfrm>
-            <a:off x="2494977" y="2420887"/>
-            <a:ext cx="864096" cy="911018"/>
-          </a:xfrm>
-          <a:prstGeom prst="roundRect">
-            <a:avLst/>
-          </a:prstGeom>
-        </p:spPr>
-        <p:style>
-          <a:lnRef idx="2">
-            <a:schemeClr val="accent1"/>
-          </a:lnRef>
-          <a:fillRef idx="1">
-            <a:schemeClr val="lt1"/>
-          </a:fillRef>
-          <a:effectRef idx="0">
-            <a:schemeClr val="accent1"/>
-          </a:effectRef>
-          <a:fontRef idx="minor">
-            <a:schemeClr val="dk1"/>
-          </a:fontRef>
-        </p:style>
-        <p:txBody>
-          <a:bodyPr rtlCol="0" anchor="ctr"/>
-          <a:lstStyle/>
-          <a:p>
-            <a:pPr algn="ctr"/>
-            <a:r>
-              <a:rPr lang="en-US" altLang="ko-KR" sz="1200" dirty="0" smtClean="0"/>
-              <a:t>Prepare</a:t>
-            </a:r>
-          </a:p>
-          <a:p>
-            <a:pPr algn="ctr"/>
-            <a:r>
-              <a:rPr lang="en-US" altLang="ko-KR" sz="1200" dirty="0" smtClean="0"/>
-              <a:t>App for </a:t>
-            </a:r>
-          </a:p>
-          <a:p>
-            <a:pPr algn="ctr"/>
-            <a:r>
-              <a:rPr lang="en-US" altLang="ko-KR" sz="1200" dirty="0" smtClean="0"/>
-              <a:t>Internal WEB #2</a:t>
-            </a:r>
-            <a:endParaRPr lang="ko-KR" altLang="en-US" sz="1200" dirty="0"/>
-          </a:p>
-        </p:txBody>
-      </p:sp>
-      <p:sp>
-        <p:nvSpPr>
-          <p:cNvPr id="6" name="모서리가 둥근 직사각형 5"/>
-          <p:cNvSpPr/>
-          <p:nvPr/>
-        </p:nvSpPr>
-        <p:spPr>
-          <a:xfrm>
-            <a:off x="4727225" y="2420887"/>
-            <a:ext cx="864096" cy="911018"/>
-          </a:xfrm>
-          <a:prstGeom prst="roundRect">
-            <a:avLst/>
-          </a:prstGeom>
-        </p:spPr>
-        <p:style>
-          <a:lnRef idx="2">
-            <a:schemeClr val="accent1"/>
-          </a:lnRef>
-          <a:fillRef idx="1">
-            <a:schemeClr val="lt1"/>
-          </a:fillRef>
-          <a:effectRef idx="0">
-            <a:schemeClr val="accent1"/>
-          </a:effectRef>
-          <a:fontRef idx="minor">
-            <a:schemeClr val="dk1"/>
-          </a:fontRef>
-        </p:style>
-        <p:txBody>
-          <a:bodyPr rtlCol="0" anchor="ctr"/>
-          <a:lstStyle/>
-          <a:p>
-            <a:pPr algn="ctr"/>
-            <a:r>
-              <a:rPr lang="en-US" altLang="ko-KR" sz="1200" dirty="0" smtClean="0"/>
-              <a:t>Prepare</a:t>
-            </a:r>
-          </a:p>
-          <a:p>
-            <a:pPr algn="ctr"/>
-            <a:r>
-              <a:rPr lang="en-US" altLang="ko-KR" sz="1200" dirty="0" smtClean="0"/>
-              <a:t>App for </a:t>
-            </a:r>
-          </a:p>
-          <a:p>
-            <a:pPr algn="ctr"/>
-            <a:r>
-              <a:rPr lang="en-US" altLang="ko-KR" sz="1200" dirty="0" smtClean="0"/>
-              <a:t>External WEB #2</a:t>
-            </a:r>
-            <a:endParaRPr lang="ko-KR" altLang="en-US" sz="1200" dirty="0"/>
-          </a:p>
-        </p:txBody>
-      </p:sp>
-      <p:sp>
-        <p:nvSpPr>
-          <p:cNvPr id="7" name="모서리가 둥근 직사각형 6"/>
-          <p:cNvSpPr/>
-          <p:nvPr/>
-        </p:nvSpPr>
-        <p:spPr>
-          <a:xfrm>
-            <a:off x="6948264" y="2420887"/>
-            <a:ext cx="864096" cy="911018"/>
-          </a:xfrm>
-          <a:prstGeom prst="roundRect">
-            <a:avLst/>
-          </a:prstGeom>
-        </p:spPr>
-        <p:style>
-          <a:lnRef idx="2">
-            <a:schemeClr val="accent1"/>
-          </a:lnRef>
-          <a:fillRef idx="1">
-            <a:schemeClr val="lt1"/>
-          </a:fillRef>
-          <a:effectRef idx="0">
-            <a:schemeClr val="accent1"/>
-          </a:effectRef>
-          <a:fontRef idx="minor">
-            <a:schemeClr val="dk1"/>
-          </a:fontRef>
-        </p:style>
-        <p:txBody>
-          <a:bodyPr rtlCol="0" anchor="ctr"/>
-          <a:lstStyle/>
-          <a:p>
-            <a:pPr algn="ctr"/>
-            <a:r>
-              <a:rPr lang="en-US" altLang="ko-KR" sz="1200" dirty="0" smtClean="0"/>
-              <a:t>Prepare</a:t>
-            </a:r>
-          </a:p>
-          <a:p>
-            <a:pPr algn="ctr"/>
-            <a:r>
-              <a:rPr lang="en-US" altLang="ko-KR" sz="1200" dirty="0" smtClean="0"/>
-              <a:t>App for </a:t>
-            </a:r>
-          </a:p>
-          <a:p>
-            <a:pPr algn="ctr"/>
-            <a:r>
-              <a:rPr lang="en-US" altLang="ko-KR" sz="1200" dirty="0" smtClean="0"/>
-              <a:t>External WEB #2</a:t>
-            </a:r>
-            <a:endParaRPr lang="ko-KR" altLang="en-US" sz="1200" dirty="0"/>
-          </a:p>
-        </p:txBody>
-      </p:sp>
-      <p:sp>
-        <p:nvSpPr>
-          <p:cNvPr id="8" name="모서리가 둥근 직사각형 7"/>
-          <p:cNvSpPr/>
-          <p:nvPr/>
-        </p:nvSpPr>
-        <p:spPr>
-          <a:xfrm>
-            <a:off x="1270841" y="2445975"/>
-            <a:ext cx="864096" cy="911018"/>
-          </a:xfrm>
-          <a:prstGeom prst="roundRect">
-            <a:avLst/>
-          </a:prstGeom>
-        </p:spPr>
-        <p:style>
-          <a:lnRef idx="2">
-            <a:schemeClr val="accent1"/>
-          </a:lnRef>
-          <a:fillRef idx="1">
-            <a:schemeClr val="lt1"/>
-          </a:fillRef>
-          <a:effectRef idx="0">
-            <a:schemeClr val="accent1"/>
-          </a:effectRef>
-          <a:fontRef idx="minor">
-            <a:schemeClr val="dk1"/>
-          </a:fontRef>
-        </p:style>
-        <p:txBody>
-          <a:bodyPr rtlCol="0" anchor="ctr"/>
-          <a:lstStyle/>
-          <a:p>
-            <a:pPr algn="ctr"/>
-            <a:r>
-              <a:rPr lang="en-US" altLang="ko-KR" sz="1200" dirty="0" smtClean="0"/>
-              <a:t>Prepare</a:t>
-            </a:r>
-          </a:p>
-          <a:p>
-            <a:pPr algn="ctr"/>
-            <a:r>
-              <a:rPr lang="en-US" altLang="ko-KR" sz="1200" dirty="0" smtClean="0"/>
-              <a:t>App for </a:t>
-            </a:r>
-          </a:p>
-          <a:p>
-            <a:pPr algn="ctr"/>
-            <a:r>
-              <a:rPr lang="en-US" altLang="ko-KR" sz="1200" dirty="0" smtClean="0"/>
-              <a:t>Internal WAS #1</a:t>
-            </a:r>
-            <a:endParaRPr lang="ko-KR" altLang="en-US" sz="1200" dirty="0"/>
-          </a:p>
-        </p:txBody>
-      </p:sp>
-      <p:sp>
-        <p:nvSpPr>
-          <p:cNvPr id="9" name="모서리가 둥근 직사각형 8"/>
-          <p:cNvSpPr/>
-          <p:nvPr/>
-        </p:nvSpPr>
-        <p:spPr>
-          <a:xfrm>
-            <a:off x="3503089" y="2420888"/>
-            <a:ext cx="864096" cy="911018"/>
-          </a:xfrm>
-          <a:prstGeom prst="roundRect">
-            <a:avLst/>
-          </a:prstGeom>
-        </p:spPr>
-        <p:style>
-          <a:lnRef idx="2">
-            <a:schemeClr val="accent1"/>
-          </a:lnRef>
-          <a:fillRef idx="1">
-            <a:schemeClr val="lt1"/>
-          </a:fillRef>
-          <a:effectRef idx="0">
-            <a:schemeClr val="accent1"/>
-          </a:effectRef>
-          <a:fontRef idx="minor">
-            <a:schemeClr val="dk1"/>
-          </a:fontRef>
-        </p:style>
-        <p:txBody>
-          <a:bodyPr rtlCol="0" anchor="ctr"/>
-          <a:lstStyle/>
-          <a:p>
-            <a:pPr algn="ctr"/>
-            <a:r>
-              <a:rPr lang="en-US" altLang="ko-KR" sz="1200" dirty="0" smtClean="0"/>
-              <a:t>Prepare</a:t>
-            </a:r>
-          </a:p>
-          <a:p>
-            <a:pPr algn="ctr"/>
-            <a:r>
-              <a:rPr lang="en-US" altLang="ko-KR" sz="1200" dirty="0" smtClean="0"/>
-              <a:t>App for </a:t>
-            </a:r>
-          </a:p>
-          <a:p>
-            <a:pPr algn="ctr"/>
-            <a:r>
-              <a:rPr lang="en-US" altLang="ko-KR" sz="1200" dirty="0" smtClean="0"/>
-              <a:t>Internal WAS #2</a:t>
-            </a:r>
-            <a:endParaRPr lang="ko-KR" altLang="en-US" sz="1200" dirty="0"/>
-          </a:p>
-        </p:txBody>
-      </p:sp>
-      <p:sp>
-        <p:nvSpPr>
-          <p:cNvPr id="10" name="모서리가 둥근 직사각형 9"/>
-          <p:cNvSpPr/>
-          <p:nvPr/>
-        </p:nvSpPr>
-        <p:spPr>
-          <a:xfrm>
-            <a:off x="5735337" y="2420888"/>
-            <a:ext cx="864096" cy="911018"/>
-          </a:xfrm>
-          <a:prstGeom prst="roundRect">
-            <a:avLst/>
-          </a:prstGeom>
-        </p:spPr>
-        <p:style>
-          <a:lnRef idx="2">
-            <a:schemeClr val="accent1"/>
-          </a:lnRef>
-          <a:fillRef idx="1">
-            <a:schemeClr val="lt1"/>
-          </a:fillRef>
-          <a:effectRef idx="0">
-            <a:schemeClr val="accent1"/>
-          </a:effectRef>
-          <a:fontRef idx="minor">
-            <a:schemeClr val="dk1"/>
-          </a:fontRef>
-        </p:style>
-        <p:txBody>
-          <a:bodyPr rtlCol="0" anchor="ctr"/>
-          <a:lstStyle/>
-          <a:p>
-            <a:pPr algn="ctr"/>
-            <a:r>
-              <a:rPr lang="en-US" altLang="ko-KR" sz="1200" dirty="0" smtClean="0"/>
-              <a:t>Prepare</a:t>
-            </a:r>
-          </a:p>
-          <a:p>
-            <a:pPr algn="ctr"/>
-            <a:r>
-              <a:rPr lang="en-US" altLang="ko-KR" sz="1200" dirty="0" smtClean="0"/>
-              <a:t>App for </a:t>
-            </a:r>
-          </a:p>
-          <a:p>
-            <a:pPr algn="ctr"/>
-            <a:r>
-              <a:rPr lang="en-US" altLang="ko-KR" sz="1200" dirty="0" smtClean="0"/>
-              <a:t>External WAS #2</a:t>
-            </a:r>
-            <a:endParaRPr lang="ko-KR" altLang="en-US" sz="1200" dirty="0"/>
-          </a:p>
-        </p:txBody>
-      </p:sp>
-      <p:sp>
-        <p:nvSpPr>
-          <p:cNvPr id="11" name="모서리가 둥근 직사각형 10"/>
-          <p:cNvSpPr/>
-          <p:nvPr/>
-        </p:nvSpPr>
-        <p:spPr>
-          <a:xfrm>
-            <a:off x="7956376" y="2420888"/>
-            <a:ext cx="864096" cy="911018"/>
-          </a:xfrm>
-          <a:prstGeom prst="roundRect">
-            <a:avLst/>
-          </a:prstGeom>
-        </p:spPr>
-        <p:style>
-          <a:lnRef idx="2">
-            <a:schemeClr val="accent1"/>
-          </a:lnRef>
-          <a:fillRef idx="1">
-            <a:schemeClr val="lt1"/>
-          </a:fillRef>
-          <a:effectRef idx="0">
-            <a:schemeClr val="accent1"/>
-          </a:effectRef>
-          <a:fontRef idx="minor">
-            <a:schemeClr val="dk1"/>
-          </a:fontRef>
-        </p:style>
-        <p:txBody>
-          <a:bodyPr rtlCol="0" anchor="ctr"/>
-          <a:lstStyle/>
-          <a:p>
-            <a:pPr algn="ctr"/>
-            <a:r>
-              <a:rPr lang="en-US" altLang="ko-KR" sz="1200" dirty="0" smtClean="0"/>
-              <a:t>Prepare</a:t>
-            </a:r>
-          </a:p>
-          <a:p>
-            <a:pPr algn="ctr"/>
-            <a:r>
-              <a:rPr lang="en-US" altLang="ko-KR" sz="1200" dirty="0" smtClean="0"/>
-              <a:t>App for </a:t>
-            </a:r>
-          </a:p>
-          <a:p>
-            <a:pPr algn="ctr"/>
-            <a:r>
-              <a:rPr lang="en-US" altLang="ko-KR" sz="1200" dirty="0" smtClean="0"/>
-              <a:t>External WAS #2</a:t>
-            </a:r>
-            <a:endParaRPr lang="ko-KR" altLang="en-US" sz="1200" dirty="0"/>
-          </a:p>
-        </p:txBody>
-      </p:sp>
-      <p:sp>
-        <p:nvSpPr>
-          <p:cNvPr id="12" name="모서리가 둥근 직사각형 11"/>
-          <p:cNvSpPr/>
-          <p:nvPr/>
-        </p:nvSpPr>
-        <p:spPr>
-          <a:xfrm>
-            <a:off x="262729" y="3526095"/>
-            <a:ext cx="864096" cy="911018"/>
-          </a:xfrm>
-          <a:prstGeom prst="roundRect">
-            <a:avLst/>
-          </a:prstGeom>
-        </p:spPr>
-        <p:style>
-          <a:lnRef idx="2">
-            <a:schemeClr val="accent1"/>
-          </a:lnRef>
-          <a:fillRef idx="1">
-            <a:schemeClr val="lt1"/>
-          </a:fillRef>
-          <a:effectRef idx="0">
-            <a:schemeClr val="accent1"/>
-          </a:effectRef>
-          <a:fontRef idx="minor">
-            <a:schemeClr val="dk1"/>
-          </a:fontRef>
-        </p:style>
-        <p:txBody>
-          <a:bodyPr rtlCol="0" anchor="ctr"/>
-          <a:lstStyle/>
-          <a:p>
-            <a:pPr algn="ctr"/>
-            <a:r>
-              <a:rPr lang="en-US" altLang="ko-KR" sz="1200" dirty="0" smtClean="0"/>
-              <a:t>Deploy</a:t>
-            </a:r>
-          </a:p>
-          <a:p>
-            <a:pPr algn="ctr"/>
-            <a:r>
-              <a:rPr lang="en-US" altLang="ko-KR" sz="1200" dirty="0" smtClean="0"/>
-              <a:t>App for </a:t>
-            </a:r>
-          </a:p>
-          <a:p>
-            <a:pPr algn="ctr"/>
-            <a:r>
-              <a:rPr lang="en-US" altLang="ko-KR" sz="1200" dirty="0" smtClean="0"/>
-              <a:t>Internal WEB #1</a:t>
-            </a:r>
-            <a:endParaRPr lang="ko-KR" altLang="en-US" sz="1200" dirty="0"/>
-          </a:p>
-        </p:txBody>
-      </p:sp>
-      <p:sp>
-        <p:nvSpPr>
-          <p:cNvPr id="13" name="모서리가 둥근 직사각형 12"/>
-          <p:cNvSpPr/>
-          <p:nvPr/>
-        </p:nvSpPr>
-        <p:spPr>
-          <a:xfrm>
-            <a:off x="2494977" y="3501008"/>
-            <a:ext cx="864096" cy="911018"/>
-          </a:xfrm>
-          <a:prstGeom prst="roundRect">
-            <a:avLst/>
-          </a:prstGeom>
-        </p:spPr>
-        <p:style>
-          <a:lnRef idx="2">
-            <a:schemeClr val="accent1"/>
-          </a:lnRef>
-          <a:fillRef idx="1">
-            <a:schemeClr val="lt1"/>
-          </a:fillRef>
-          <a:effectRef idx="0">
-            <a:schemeClr val="accent1"/>
-          </a:effectRef>
-          <a:fontRef idx="minor">
-            <a:schemeClr val="dk1"/>
-          </a:fontRef>
-        </p:style>
-        <p:txBody>
-          <a:bodyPr rtlCol="0" anchor="ctr"/>
-          <a:lstStyle/>
-          <a:p>
-            <a:pPr algn="ctr"/>
-            <a:r>
-              <a:rPr lang="en-US" altLang="ko-KR" sz="1200" dirty="0" smtClean="0"/>
-              <a:t>Deploy</a:t>
-            </a:r>
-          </a:p>
-          <a:p>
-            <a:pPr algn="ctr"/>
-            <a:r>
-              <a:rPr lang="en-US" altLang="ko-KR" sz="1200" dirty="0" smtClean="0"/>
-              <a:t>App for </a:t>
-            </a:r>
-          </a:p>
-          <a:p>
-            <a:pPr algn="ctr"/>
-            <a:r>
-              <a:rPr lang="en-US" altLang="ko-KR" sz="1200" dirty="0" smtClean="0"/>
-              <a:t>Internal WEB #2</a:t>
-            </a:r>
-            <a:endParaRPr lang="ko-KR" altLang="en-US" sz="1200" dirty="0"/>
-          </a:p>
-        </p:txBody>
-      </p:sp>
-      <p:sp>
-        <p:nvSpPr>
-          <p:cNvPr id="14" name="모서리가 둥근 직사각형 13"/>
-          <p:cNvSpPr/>
-          <p:nvPr/>
-        </p:nvSpPr>
-        <p:spPr>
-          <a:xfrm>
-            <a:off x="4727225" y="3501008"/>
-            <a:ext cx="864096" cy="911018"/>
-          </a:xfrm>
-          <a:prstGeom prst="roundRect">
-            <a:avLst/>
-          </a:prstGeom>
-        </p:spPr>
-        <p:style>
-          <a:lnRef idx="2">
-            <a:schemeClr val="accent1"/>
-          </a:lnRef>
-          <a:fillRef idx="1">
-            <a:schemeClr val="lt1"/>
-          </a:fillRef>
-          <a:effectRef idx="0">
-            <a:schemeClr val="accent1"/>
-          </a:effectRef>
-          <a:fontRef idx="minor">
-            <a:schemeClr val="dk1"/>
-          </a:fontRef>
-        </p:style>
-        <p:txBody>
-          <a:bodyPr rtlCol="0" anchor="ctr"/>
-          <a:lstStyle/>
-          <a:p>
-            <a:pPr algn="ctr"/>
-            <a:r>
-              <a:rPr lang="en-US" altLang="ko-KR" sz="1200" dirty="0" smtClean="0"/>
-              <a:t>Deploy</a:t>
-            </a:r>
-          </a:p>
-          <a:p>
-            <a:pPr algn="ctr"/>
-            <a:r>
-              <a:rPr lang="en-US" altLang="ko-KR" sz="1200" dirty="0" smtClean="0"/>
-              <a:t>App for </a:t>
-            </a:r>
-          </a:p>
-          <a:p>
-            <a:pPr algn="ctr"/>
-            <a:r>
-              <a:rPr lang="en-US" altLang="ko-KR" sz="1200" dirty="0" smtClean="0"/>
-              <a:t>External WEB #2</a:t>
-            </a:r>
-            <a:endParaRPr lang="ko-KR" altLang="en-US" sz="1200" dirty="0"/>
-          </a:p>
-        </p:txBody>
-      </p:sp>
-      <p:sp>
-        <p:nvSpPr>
-          <p:cNvPr id="15" name="모서리가 둥근 직사각형 14"/>
-          <p:cNvSpPr/>
-          <p:nvPr/>
-        </p:nvSpPr>
-        <p:spPr>
-          <a:xfrm>
-            <a:off x="6948264" y="3501008"/>
-            <a:ext cx="864096" cy="911018"/>
-          </a:xfrm>
-          <a:prstGeom prst="roundRect">
-            <a:avLst/>
-          </a:prstGeom>
-        </p:spPr>
-        <p:style>
-          <a:lnRef idx="2">
-            <a:schemeClr val="accent1"/>
-          </a:lnRef>
-          <a:fillRef idx="1">
-            <a:schemeClr val="lt1"/>
-          </a:fillRef>
-          <a:effectRef idx="0">
-            <a:schemeClr val="accent1"/>
-          </a:effectRef>
-          <a:fontRef idx="minor">
-            <a:schemeClr val="dk1"/>
-          </a:fontRef>
-        </p:style>
-        <p:txBody>
-          <a:bodyPr rtlCol="0" anchor="ctr"/>
-          <a:lstStyle/>
-          <a:p>
-            <a:pPr algn="ctr"/>
-            <a:r>
-              <a:rPr lang="en-US" altLang="ko-KR" sz="1200" dirty="0" smtClean="0"/>
-              <a:t>Deploy</a:t>
-            </a:r>
-          </a:p>
-          <a:p>
-            <a:pPr algn="ctr"/>
-            <a:r>
-              <a:rPr lang="en-US" altLang="ko-KR" sz="1200" dirty="0" smtClean="0"/>
-              <a:t>App for </a:t>
-            </a:r>
-          </a:p>
-          <a:p>
-            <a:pPr algn="ctr"/>
-            <a:r>
-              <a:rPr lang="en-US" altLang="ko-KR" sz="1200" dirty="0" smtClean="0"/>
-              <a:t>External WEB #2</a:t>
-            </a:r>
-            <a:endParaRPr lang="ko-KR" altLang="en-US" sz="1200" dirty="0"/>
-          </a:p>
-        </p:txBody>
-      </p:sp>
-      <p:sp>
-        <p:nvSpPr>
-          <p:cNvPr id="16" name="모서리가 둥근 직사각형 15"/>
-          <p:cNvSpPr/>
-          <p:nvPr/>
-        </p:nvSpPr>
-        <p:spPr>
-          <a:xfrm>
-            <a:off x="1270841" y="3526096"/>
-            <a:ext cx="864096" cy="911018"/>
-          </a:xfrm>
-          <a:prstGeom prst="roundRect">
-            <a:avLst/>
-          </a:prstGeom>
-        </p:spPr>
-        <p:style>
-          <a:lnRef idx="2">
-            <a:schemeClr val="accent1"/>
-          </a:lnRef>
-          <a:fillRef idx="1">
-            <a:schemeClr val="lt1"/>
-          </a:fillRef>
-          <a:effectRef idx="0">
-            <a:schemeClr val="accent1"/>
-          </a:effectRef>
-          <a:fontRef idx="minor">
-            <a:schemeClr val="dk1"/>
-          </a:fontRef>
-        </p:style>
-        <p:txBody>
-          <a:bodyPr rtlCol="0" anchor="ctr"/>
-          <a:lstStyle/>
-          <a:p>
-            <a:pPr algn="ctr"/>
-            <a:r>
-              <a:rPr lang="en-US" altLang="ko-KR" sz="1200" dirty="0" smtClean="0"/>
-              <a:t>Deploy</a:t>
-            </a:r>
-          </a:p>
-          <a:p>
-            <a:pPr algn="ctr"/>
-            <a:r>
-              <a:rPr lang="en-US" altLang="ko-KR" sz="1200" dirty="0" smtClean="0"/>
-              <a:t>App for </a:t>
-            </a:r>
-          </a:p>
-          <a:p>
-            <a:pPr algn="ctr"/>
-            <a:r>
-              <a:rPr lang="en-US" altLang="ko-KR" sz="1200" dirty="0" smtClean="0"/>
-              <a:t>Internal WAS #1</a:t>
-            </a:r>
-            <a:endParaRPr lang="ko-KR" altLang="en-US" sz="1200" dirty="0"/>
-          </a:p>
-        </p:txBody>
-      </p:sp>
-      <p:sp>
-        <p:nvSpPr>
-          <p:cNvPr id="17" name="모서리가 둥근 직사각형 16"/>
-          <p:cNvSpPr/>
-          <p:nvPr/>
-        </p:nvSpPr>
-        <p:spPr>
-          <a:xfrm>
-            <a:off x="3503089" y="3501009"/>
-            <a:ext cx="864096" cy="911018"/>
-          </a:xfrm>
-          <a:prstGeom prst="roundRect">
-            <a:avLst/>
-          </a:prstGeom>
-        </p:spPr>
-        <p:style>
-          <a:lnRef idx="2">
-            <a:schemeClr val="accent1"/>
-          </a:lnRef>
-          <a:fillRef idx="1">
-            <a:schemeClr val="lt1"/>
-          </a:fillRef>
-          <a:effectRef idx="0">
-            <a:schemeClr val="accent1"/>
-          </a:effectRef>
-          <a:fontRef idx="minor">
-            <a:schemeClr val="dk1"/>
-          </a:fontRef>
-        </p:style>
-        <p:txBody>
-          <a:bodyPr rtlCol="0" anchor="ctr"/>
-          <a:lstStyle/>
-          <a:p>
-            <a:pPr algn="ctr"/>
-            <a:r>
-              <a:rPr lang="en-US" altLang="ko-KR" sz="1200" dirty="0" smtClean="0"/>
-              <a:t>Deploy</a:t>
-            </a:r>
-          </a:p>
-          <a:p>
-            <a:pPr algn="ctr"/>
-            <a:r>
-              <a:rPr lang="en-US" altLang="ko-KR" sz="1200" dirty="0" smtClean="0"/>
-              <a:t>App for </a:t>
-            </a:r>
-          </a:p>
-          <a:p>
-            <a:pPr algn="ctr"/>
-            <a:r>
-              <a:rPr lang="en-US" altLang="ko-KR" sz="1200" dirty="0" smtClean="0"/>
-              <a:t>Internal WAS #2</a:t>
-            </a:r>
-            <a:endParaRPr lang="ko-KR" altLang="en-US" sz="1200" dirty="0"/>
-          </a:p>
-        </p:txBody>
-      </p:sp>
-      <p:sp>
-        <p:nvSpPr>
-          <p:cNvPr id="18" name="모서리가 둥근 직사각형 17"/>
-          <p:cNvSpPr/>
-          <p:nvPr/>
-        </p:nvSpPr>
-        <p:spPr>
-          <a:xfrm>
-            <a:off x="5735337" y="3501008"/>
-            <a:ext cx="864096" cy="911018"/>
-          </a:xfrm>
-          <a:prstGeom prst="roundRect">
-            <a:avLst/>
-          </a:prstGeom>
-        </p:spPr>
-        <p:style>
-          <a:lnRef idx="2">
-            <a:schemeClr val="accent1"/>
-          </a:lnRef>
-          <a:fillRef idx="1">
-            <a:schemeClr val="lt1"/>
-          </a:fillRef>
-          <a:effectRef idx="0">
-            <a:schemeClr val="accent1"/>
-          </a:effectRef>
-          <a:fontRef idx="minor">
-            <a:schemeClr val="dk1"/>
-          </a:fontRef>
-        </p:style>
-        <p:txBody>
-          <a:bodyPr rtlCol="0" anchor="ctr"/>
-          <a:lstStyle/>
-          <a:p>
-            <a:pPr algn="ctr"/>
-            <a:r>
-              <a:rPr lang="en-US" altLang="ko-KR" sz="1200" dirty="0" smtClean="0"/>
-              <a:t>Deploy</a:t>
-            </a:r>
-          </a:p>
-          <a:p>
-            <a:pPr algn="ctr"/>
-            <a:r>
-              <a:rPr lang="en-US" altLang="ko-KR" sz="1200" dirty="0" smtClean="0"/>
-              <a:t>App for </a:t>
-            </a:r>
-          </a:p>
-          <a:p>
-            <a:pPr algn="ctr"/>
-            <a:r>
-              <a:rPr lang="en-US" altLang="ko-KR" sz="1200" dirty="0" smtClean="0"/>
-              <a:t>External WAS #2</a:t>
-            </a:r>
-            <a:endParaRPr lang="ko-KR" altLang="en-US" sz="1200" dirty="0"/>
-          </a:p>
-        </p:txBody>
-      </p:sp>
-      <p:sp>
-        <p:nvSpPr>
-          <p:cNvPr id="19" name="모서리가 둥근 직사각형 18"/>
-          <p:cNvSpPr/>
-          <p:nvPr/>
-        </p:nvSpPr>
-        <p:spPr>
-          <a:xfrm>
-            <a:off x="7960167" y="3501009"/>
-            <a:ext cx="864096" cy="911018"/>
-          </a:xfrm>
-          <a:prstGeom prst="roundRect">
-            <a:avLst/>
-          </a:prstGeom>
-        </p:spPr>
-        <p:style>
-          <a:lnRef idx="2">
-            <a:schemeClr val="accent1"/>
-          </a:lnRef>
-          <a:fillRef idx="1">
-            <a:schemeClr val="lt1"/>
-          </a:fillRef>
-          <a:effectRef idx="0">
-            <a:schemeClr val="accent1"/>
-          </a:effectRef>
-          <a:fontRef idx="minor">
-            <a:schemeClr val="dk1"/>
-          </a:fontRef>
-        </p:style>
-        <p:txBody>
-          <a:bodyPr rtlCol="0" anchor="ctr"/>
-          <a:lstStyle/>
-          <a:p>
-            <a:pPr algn="ctr"/>
-            <a:r>
-              <a:rPr lang="en-US" altLang="ko-KR" sz="1200" dirty="0" smtClean="0"/>
-              <a:t>Deploy</a:t>
-            </a:r>
-          </a:p>
-          <a:p>
-            <a:pPr algn="ctr"/>
-            <a:r>
-              <a:rPr lang="en-US" altLang="ko-KR" sz="1200" dirty="0" smtClean="0"/>
-              <a:t>App for </a:t>
-            </a:r>
-          </a:p>
-          <a:p>
-            <a:pPr algn="ctr"/>
-            <a:r>
-              <a:rPr lang="en-US" altLang="ko-KR" sz="1200" dirty="0" smtClean="0"/>
-              <a:t>External WAS #2</a:t>
-            </a:r>
-            <a:endParaRPr lang="ko-KR" altLang="en-US" sz="1200" dirty="0"/>
-          </a:p>
-        </p:txBody>
-      </p:sp>
-      <p:cxnSp>
-        <p:nvCxnSpPr>
-          <p:cNvPr id="25" name="직선 화살표 연결선 24"/>
-          <p:cNvCxnSpPr>
-            <a:stCxn id="4" idx="2"/>
-            <a:endCxn id="12" idx="0"/>
-          </p:cNvCxnSpPr>
-          <p:nvPr/>
-        </p:nvCxnSpPr>
-        <p:spPr>
-          <a:xfrm>
-            <a:off x="694777" y="3356992"/>
-            <a:ext cx="0" cy="169103"/>
-          </a:xfrm>
-          <a:prstGeom prst="straightConnector1">
-            <a:avLst/>
-          </a:prstGeom>
-          <a:ln>
-            <a:solidFill>
-              <a:schemeClr val="tx1"/>
-            </a:solidFill>
-            <a:headEnd type="none" w="med" len="med"/>
-            <a:tailEnd type="triangle" w="med" len="med"/>
-          </a:ln>
-        </p:spPr>
-        <p:style>
-          <a:lnRef idx="1">
-            <a:schemeClr val="accent1"/>
-          </a:lnRef>
-          <a:fillRef idx="0">
-            <a:schemeClr val="accent1"/>
-          </a:fillRef>
-          <a:effectRef idx="0">
-            <a:schemeClr val="accent1"/>
-          </a:effectRef>
-          <a:fontRef idx="minor">
-            <a:schemeClr val="tx1"/>
-          </a:fontRef>
-        </p:style>
-      </p:cxnSp>
-      <p:cxnSp>
-        <p:nvCxnSpPr>
-          <p:cNvPr id="26" name="직선 화살표 연결선 25"/>
-          <p:cNvCxnSpPr>
-            <a:stCxn id="5" idx="2"/>
-            <a:endCxn id="13" idx="0"/>
-          </p:cNvCxnSpPr>
-          <p:nvPr/>
-        </p:nvCxnSpPr>
-        <p:spPr>
-          <a:xfrm>
-            <a:off x="2927025" y="3331905"/>
-            <a:ext cx="0" cy="169103"/>
-          </a:xfrm>
-          <a:prstGeom prst="straightConnector1">
-            <a:avLst/>
-          </a:prstGeom>
-          <a:ln>
-            <a:solidFill>
-              <a:schemeClr val="tx1"/>
-            </a:solidFill>
-            <a:headEnd type="none" w="med" len="med"/>
-            <a:tailEnd type="triangle" w="med" len="med"/>
-          </a:ln>
-        </p:spPr>
-        <p:style>
-          <a:lnRef idx="1">
-            <a:schemeClr val="accent1"/>
-          </a:lnRef>
-          <a:fillRef idx="0">
-            <a:schemeClr val="accent1"/>
-          </a:fillRef>
-          <a:effectRef idx="0">
-            <a:schemeClr val="accent1"/>
-          </a:effectRef>
-          <a:fontRef idx="minor">
-            <a:schemeClr val="tx1"/>
-          </a:fontRef>
-        </p:style>
-      </p:cxnSp>
-      <p:cxnSp>
-        <p:nvCxnSpPr>
-          <p:cNvPr id="29" name="직선 화살표 연결선 28"/>
-          <p:cNvCxnSpPr>
-            <a:stCxn id="6" idx="2"/>
-            <a:endCxn id="14" idx="0"/>
-          </p:cNvCxnSpPr>
-          <p:nvPr/>
-        </p:nvCxnSpPr>
-        <p:spPr>
-          <a:xfrm>
-            <a:off x="5159273" y="3331905"/>
-            <a:ext cx="0" cy="169103"/>
-          </a:xfrm>
-          <a:prstGeom prst="straightConnector1">
-            <a:avLst/>
-          </a:prstGeom>
-          <a:ln>
-            <a:solidFill>
-              <a:schemeClr val="tx1"/>
-            </a:solidFill>
-            <a:headEnd type="none" w="med" len="med"/>
-            <a:tailEnd type="triangle" w="med" len="med"/>
-          </a:ln>
-        </p:spPr>
-        <p:style>
-          <a:lnRef idx="1">
-            <a:schemeClr val="accent1"/>
-          </a:lnRef>
-          <a:fillRef idx="0">
-            <a:schemeClr val="accent1"/>
-          </a:fillRef>
-          <a:effectRef idx="0">
-            <a:schemeClr val="accent1"/>
-          </a:effectRef>
-          <a:fontRef idx="minor">
-            <a:schemeClr val="tx1"/>
-          </a:fontRef>
-        </p:style>
-      </p:cxnSp>
-      <p:cxnSp>
-        <p:nvCxnSpPr>
-          <p:cNvPr id="32" name="직선 화살표 연결선 31"/>
-          <p:cNvCxnSpPr>
-            <a:stCxn id="7" idx="2"/>
-            <a:endCxn id="15" idx="0"/>
-          </p:cNvCxnSpPr>
-          <p:nvPr/>
-        </p:nvCxnSpPr>
-        <p:spPr>
-          <a:xfrm>
-            <a:off x="7380312" y="3331905"/>
-            <a:ext cx="0" cy="169103"/>
-          </a:xfrm>
-          <a:prstGeom prst="straightConnector1">
-            <a:avLst/>
-          </a:prstGeom>
-          <a:ln>
-            <a:solidFill>
-              <a:schemeClr val="tx1"/>
-            </a:solidFill>
-            <a:headEnd type="none" w="med" len="med"/>
-            <a:tailEnd type="triangle" w="med" len="med"/>
-          </a:ln>
-        </p:spPr>
-        <p:style>
-          <a:lnRef idx="1">
-            <a:schemeClr val="accent1"/>
-          </a:lnRef>
-          <a:fillRef idx="0">
-            <a:schemeClr val="accent1"/>
-          </a:fillRef>
-          <a:effectRef idx="0">
-            <a:schemeClr val="accent1"/>
-          </a:effectRef>
-          <a:fontRef idx="minor">
-            <a:schemeClr val="tx1"/>
-          </a:fontRef>
-        </p:style>
-      </p:cxnSp>
-      <p:sp>
-        <p:nvSpPr>
-          <p:cNvPr id="35" name="모서리가 둥근 직사각형 34"/>
-          <p:cNvSpPr/>
-          <p:nvPr/>
-        </p:nvSpPr>
-        <p:spPr>
-          <a:xfrm>
-            <a:off x="4139952" y="1411724"/>
-            <a:ext cx="864096" cy="478970"/>
-          </a:xfrm>
-          <a:prstGeom prst="roundRect">
-            <a:avLst/>
-          </a:prstGeom>
-        </p:spPr>
-        <p:style>
-          <a:lnRef idx="2">
-            <a:schemeClr val="accent1"/>
-          </a:lnRef>
-          <a:fillRef idx="1">
-            <a:schemeClr val="lt1"/>
-          </a:fillRef>
-          <a:effectRef idx="0">
-            <a:schemeClr val="accent1"/>
-          </a:effectRef>
-          <a:fontRef idx="minor">
-            <a:schemeClr val="dk1"/>
-          </a:fontRef>
-        </p:style>
-        <p:txBody>
-          <a:bodyPr rtlCol="0" anchor="ctr"/>
-          <a:lstStyle/>
-          <a:p>
-            <a:pPr algn="ctr"/>
-            <a:r>
-              <a:rPr lang="en-US" altLang="ko-KR" sz="1200" dirty="0" smtClean="0"/>
-              <a:t>Deploy</a:t>
-            </a:r>
-          </a:p>
-          <a:p>
-            <a:pPr algn="ctr"/>
-            <a:r>
-              <a:rPr lang="en-US" altLang="ko-KR" sz="1200" dirty="0" smtClean="0"/>
-              <a:t>App</a:t>
-            </a:r>
-            <a:endParaRPr lang="ko-KR" altLang="en-US" sz="1200" dirty="0"/>
-          </a:p>
-        </p:txBody>
-      </p:sp>
-      <p:cxnSp>
-        <p:nvCxnSpPr>
-          <p:cNvPr id="37" name="직선 화살표 연결선 36"/>
-          <p:cNvCxnSpPr>
-            <a:endCxn id="4" idx="0"/>
-          </p:cNvCxnSpPr>
-          <p:nvPr/>
-        </p:nvCxnSpPr>
-        <p:spPr>
-          <a:xfrm>
-            <a:off x="694777" y="2155715"/>
-            <a:ext cx="0" cy="290259"/>
-          </a:xfrm>
-          <a:prstGeom prst="straightConnector1">
-            <a:avLst/>
-          </a:prstGeom>
-          <a:ln>
-            <a:solidFill>
-              <a:schemeClr val="tx1"/>
-            </a:solidFill>
-            <a:headEnd type="none" w="med" len="med"/>
-            <a:tailEnd type="triangle" w="med" len="med"/>
-          </a:ln>
-        </p:spPr>
-        <p:style>
-          <a:lnRef idx="1">
-            <a:schemeClr val="accent1"/>
-          </a:lnRef>
-          <a:fillRef idx="0">
-            <a:schemeClr val="accent1"/>
-          </a:fillRef>
-          <a:effectRef idx="0">
-            <a:schemeClr val="accent1"/>
-          </a:effectRef>
-          <a:fontRef idx="minor">
-            <a:schemeClr val="tx1"/>
-          </a:fontRef>
-        </p:style>
-      </p:cxnSp>
-      <p:cxnSp>
-        <p:nvCxnSpPr>
-          <p:cNvPr id="39" name="직선 화살표 연결선 38"/>
-          <p:cNvCxnSpPr>
-            <a:endCxn id="5" idx="0"/>
-          </p:cNvCxnSpPr>
-          <p:nvPr/>
-        </p:nvCxnSpPr>
-        <p:spPr>
-          <a:xfrm>
-            <a:off x="2927025" y="2168860"/>
-            <a:ext cx="0" cy="252027"/>
-          </a:xfrm>
-          <a:prstGeom prst="straightConnector1">
-            <a:avLst/>
-          </a:prstGeom>
-          <a:ln>
-            <a:solidFill>
-              <a:schemeClr val="tx1"/>
-            </a:solidFill>
-            <a:headEnd type="none" w="med" len="med"/>
-            <a:tailEnd type="triangle" w="med" len="med"/>
-          </a:ln>
-        </p:spPr>
-        <p:style>
-          <a:lnRef idx="1">
-            <a:schemeClr val="accent1"/>
-          </a:lnRef>
-          <a:fillRef idx="0">
-            <a:schemeClr val="accent1"/>
-          </a:fillRef>
-          <a:effectRef idx="0">
-            <a:schemeClr val="accent1"/>
-          </a:effectRef>
-          <a:fontRef idx="minor">
-            <a:schemeClr val="tx1"/>
-          </a:fontRef>
-        </p:style>
-      </p:cxnSp>
-      <p:cxnSp>
-        <p:nvCxnSpPr>
-          <p:cNvPr id="41" name="직선 화살표 연결선 40"/>
-          <p:cNvCxnSpPr>
-            <a:endCxn id="6" idx="0"/>
-          </p:cNvCxnSpPr>
-          <p:nvPr/>
-        </p:nvCxnSpPr>
-        <p:spPr>
-          <a:xfrm>
-            <a:off x="5153668" y="2155715"/>
-            <a:ext cx="5605" cy="265172"/>
-          </a:xfrm>
-          <a:prstGeom prst="straightConnector1">
-            <a:avLst/>
-          </a:prstGeom>
-          <a:ln>
-            <a:solidFill>
-              <a:schemeClr val="tx1"/>
-            </a:solidFill>
-            <a:headEnd type="none" w="med" len="med"/>
-            <a:tailEnd type="triangle" w="med" len="med"/>
-          </a:ln>
-        </p:spPr>
-        <p:style>
-          <a:lnRef idx="1">
-            <a:schemeClr val="accent1"/>
-          </a:lnRef>
-          <a:fillRef idx="0">
-            <a:schemeClr val="accent1"/>
-          </a:fillRef>
-          <a:effectRef idx="0">
-            <a:schemeClr val="accent1"/>
-          </a:effectRef>
-          <a:fontRef idx="minor">
-            <a:schemeClr val="tx1"/>
-          </a:fontRef>
-        </p:style>
-      </p:cxnSp>
-      <p:cxnSp>
-        <p:nvCxnSpPr>
-          <p:cNvPr id="43" name="직선 화살표 연결선 42"/>
-          <p:cNvCxnSpPr>
-            <a:endCxn id="7" idx="0"/>
-          </p:cNvCxnSpPr>
-          <p:nvPr/>
-        </p:nvCxnSpPr>
-        <p:spPr>
-          <a:xfrm>
-            <a:off x="7380312" y="2155715"/>
-            <a:ext cx="0" cy="265172"/>
-          </a:xfrm>
-          <a:prstGeom prst="straightConnector1">
-            <a:avLst/>
-          </a:prstGeom>
-          <a:ln>
-            <a:solidFill>
-              <a:schemeClr val="tx1"/>
-            </a:solidFill>
-            <a:headEnd type="none" w="med" len="med"/>
-            <a:tailEnd type="triangle" w="med" len="med"/>
-          </a:ln>
-        </p:spPr>
-        <p:style>
-          <a:lnRef idx="1">
-            <a:schemeClr val="accent1"/>
-          </a:lnRef>
-          <a:fillRef idx="0">
-            <a:schemeClr val="accent1"/>
-          </a:fillRef>
-          <a:effectRef idx="0">
-            <a:schemeClr val="accent1"/>
-          </a:effectRef>
-          <a:fontRef idx="minor">
-            <a:schemeClr val="tx1"/>
-          </a:fontRef>
-        </p:style>
-      </p:cxnSp>
-      <p:cxnSp>
-        <p:nvCxnSpPr>
-          <p:cNvPr id="45" name="직선 화살표 연결선 44"/>
-          <p:cNvCxnSpPr>
-            <a:stCxn id="8" idx="2"/>
-            <a:endCxn id="16" idx="0"/>
-          </p:cNvCxnSpPr>
-          <p:nvPr/>
-        </p:nvCxnSpPr>
-        <p:spPr>
-          <a:xfrm>
-            <a:off x="1702889" y="3356993"/>
-            <a:ext cx="0" cy="169103"/>
-          </a:xfrm>
-          <a:prstGeom prst="straightConnector1">
-            <a:avLst/>
-          </a:prstGeom>
-          <a:ln>
-            <a:solidFill>
-              <a:schemeClr val="tx1"/>
-            </a:solidFill>
-            <a:headEnd type="none" w="med" len="med"/>
-            <a:tailEnd type="triangle" w="med" len="med"/>
-          </a:ln>
-        </p:spPr>
-        <p:style>
-          <a:lnRef idx="1">
-            <a:schemeClr val="accent1"/>
-          </a:lnRef>
-          <a:fillRef idx="0">
-            <a:schemeClr val="accent1"/>
-          </a:fillRef>
-          <a:effectRef idx="0">
-            <a:schemeClr val="accent1"/>
-          </a:effectRef>
-          <a:fontRef idx="minor">
-            <a:schemeClr val="tx1"/>
-          </a:fontRef>
-        </p:style>
-      </p:cxnSp>
-      <p:cxnSp>
-        <p:nvCxnSpPr>
-          <p:cNvPr id="46" name="직선 화살표 연결선 45"/>
-          <p:cNvCxnSpPr>
-            <a:stCxn id="9" idx="2"/>
-            <a:endCxn id="17" idx="0"/>
-          </p:cNvCxnSpPr>
-          <p:nvPr/>
-        </p:nvCxnSpPr>
-        <p:spPr>
-          <a:xfrm>
-            <a:off x="3935137" y="3331906"/>
-            <a:ext cx="0" cy="169103"/>
-          </a:xfrm>
-          <a:prstGeom prst="straightConnector1">
-            <a:avLst/>
-          </a:prstGeom>
-          <a:ln>
-            <a:solidFill>
-              <a:schemeClr val="tx1"/>
-            </a:solidFill>
-            <a:headEnd type="none" w="med" len="med"/>
-            <a:tailEnd type="triangle" w="med" len="med"/>
-          </a:ln>
-        </p:spPr>
-        <p:style>
-          <a:lnRef idx="1">
-            <a:schemeClr val="accent1"/>
-          </a:lnRef>
-          <a:fillRef idx="0">
-            <a:schemeClr val="accent1"/>
-          </a:fillRef>
-          <a:effectRef idx="0">
-            <a:schemeClr val="accent1"/>
-          </a:effectRef>
-          <a:fontRef idx="minor">
-            <a:schemeClr val="tx1"/>
-          </a:fontRef>
-        </p:style>
-      </p:cxnSp>
-      <p:cxnSp>
-        <p:nvCxnSpPr>
-          <p:cNvPr id="47" name="직선 화살표 연결선 46"/>
-          <p:cNvCxnSpPr>
-            <a:stCxn id="10" idx="2"/>
-            <a:endCxn id="18" idx="0"/>
-          </p:cNvCxnSpPr>
-          <p:nvPr/>
-        </p:nvCxnSpPr>
-        <p:spPr>
-          <a:xfrm>
-            <a:off x="6167385" y="3331906"/>
-            <a:ext cx="0" cy="169102"/>
-          </a:xfrm>
-          <a:prstGeom prst="straightConnector1">
-            <a:avLst/>
-          </a:prstGeom>
-          <a:ln>
-            <a:solidFill>
-              <a:schemeClr val="tx1"/>
-            </a:solidFill>
-            <a:headEnd type="none" w="med" len="med"/>
-            <a:tailEnd type="triangle" w="med" len="med"/>
-          </a:ln>
-        </p:spPr>
-        <p:style>
-          <a:lnRef idx="1">
-            <a:schemeClr val="accent1"/>
-          </a:lnRef>
-          <a:fillRef idx="0">
-            <a:schemeClr val="accent1"/>
-          </a:fillRef>
-          <a:effectRef idx="0">
-            <a:schemeClr val="accent1"/>
-          </a:effectRef>
-          <a:fontRef idx="minor">
-            <a:schemeClr val="tx1"/>
-          </a:fontRef>
-        </p:style>
-      </p:cxnSp>
-      <p:cxnSp>
-        <p:nvCxnSpPr>
-          <p:cNvPr id="48" name="직선 화살표 연결선 47"/>
-          <p:cNvCxnSpPr>
-            <a:stCxn id="11" idx="2"/>
-            <a:endCxn id="19" idx="0"/>
-          </p:cNvCxnSpPr>
-          <p:nvPr/>
-        </p:nvCxnSpPr>
-        <p:spPr>
-          <a:xfrm>
-            <a:off x="8388424" y="3331906"/>
-            <a:ext cx="3791" cy="169103"/>
-          </a:xfrm>
-          <a:prstGeom prst="straightConnector1">
-            <a:avLst/>
-          </a:prstGeom>
-          <a:ln>
-            <a:solidFill>
-              <a:schemeClr val="tx1"/>
-            </a:solidFill>
-            <a:headEnd type="none" w="med" len="med"/>
-            <a:tailEnd type="triangle" w="med" len="med"/>
-          </a:ln>
-        </p:spPr>
-        <p:style>
-          <a:lnRef idx="1">
-            <a:schemeClr val="accent1"/>
-          </a:lnRef>
-          <a:fillRef idx="0">
-            <a:schemeClr val="accent1"/>
-          </a:fillRef>
-          <a:effectRef idx="0">
-            <a:schemeClr val="accent1"/>
-          </a:effectRef>
-          <a:fontRef idx="minor">
-            <a:schemeClr val="tx1"/>
-          </a:fontRef>
-        </p:style>
-      </p:cxnSp>
-      <p:cxnSp>
-        <p:nvCxnSpPr>
-          <p:cNvPr id="73" name="직선 화살표 연결선 72"/>
-          <p:cNvCxnSpPr>
-            <a:endCxn id="8" idx="0"/>
-          </p:cNvCxnSpPr>
-          <p:nvPr/>
-        </p:nvCxnSpPr>
-        <p:spPr>
-          <a:xfrm>
-            <a:off x="1702889" y="2168860"/>
-            <a:ext cx="0" cy="277115"/>
-          </a:xfrm>
-          <a:prstGeom prst="straightConnector1">
-            <a:avLst/>
-          </a:prstGeom>
-          <a:ln>
-            <a:solidFill>
-              <a:schemeClr val="tx1"/>
-            </a:solidFill>
-            <a:headEnd type="none" w="med" len="med"/>
-            <a:tailEnd type="triangle" w="med" len="med"/>
-          </a:ln>
-        </p:spPr>
-        <p:style>
-          <a:lnRef idx="1">
-            <a:schemeClr val="accent1"/>
-          </a:lnRef>
-          <a:fillRef idx="0">
-            <a:schemeClr val="accent1"/>
-          </a:fillRef>
-          <a:effectRef idx="0">
-            <a:schemeClr val="accent1"/>
-          </a:effectRef>
-          <a:fontRef idx="minor">
-            <a:schemeClr val="tx1"/>
-          </a:fontRef>
-        </p:style>
-      </p:cxnSp>
-      <p:cxnSp>
-        <p:nvCxnSpPr>
-          <p:cNvPr id="74" name="직선 화살표 연결선 73"/>
-          <p:cNvCxnSpPr>
-            <a:endCxn id="9" idx="0"/>
-          </p:cNvCxnSpPr>
-          <p:nvPr/>
-        </p:nvCxnSpPr>
-        <p:spPr>
-          <a:xfrm>
-            <a:off x="3934945" y="2155715"/>
-            <a:ext cx="192" cy="265173"/>
-          </a:xfrm>
-          <a:prstGeom prst="straightConnector1">
-            <a:avLst/>
-          </a:prstGeom>
-          <a:ln>
-            <a:solidFill>
-              <a:schemeClr val="tx1"/>
-            </a:solidFill>
-            <a:headEnd type="none" w="med" len="med"/>
-            <a:tailEnd type="triangle" w="med" len="med"/>
-          </a:ln>
-        </p:spPr>
-        <p:style>
-          <a:lnRef idx="1">
-            <a:schemeClr val="accent1"/>
-          </a:lnRef>
-          <a:fillRef idx="0">
-            <a:schemeClr val="accent1"/>
-          </a:fillRef>
-          <a:effectRef idx="0">
-            <a:schemeClr val="accent1"/>
-          </a:effectRef>
-          <a:fontRef idx="minor">
-            <a:schemeClr val="tx1"/>
-          </a:fontRef>
-        </p:style>
-      </p:cxnSp>
-      <p:cxnSp>
-        <p:nvCxnSpPr>
-          <p:cNvPr id="75" name="직선 화살표 연결선 74"/>
-          <p:cNvCxnSpPr>
-            <a:endCxn id="10" idx="0"/>
-          </p:cNvCxnSpPr>
-          <p:nvPr/>
-        </p:nvCxnSpPr>
-        <p:spPr>
-          <a:xfrm>
-            <a:off x="6167385" y="2155715"/>
-            <a:ext cx="0" cy="265173"/>
-          </a:xfrm>
-          <a:prstGeom prst="straightConnector1">
-            <a:avLst/>
-          </a:prstGeom>
-          <a:ln>
-            <a:solidFill>
-              <a:schemeClr val="tx1"/>
-            </a:solidFill>
-            <a:headEnd type="none" w="med" len="med"/>
-            <a:tailEnd type="triangle" w="med" len="med"/>
-          </a:ln>
-        </p:spPr>
-        <p:style>
-          <a:lnRef idx="1">
-            <a:schemeClr val="accent1"/>
-          </a:lnRef>
-          <a:fillRef idx="0">
-            <a:schemeClr val="accent1"/>
-          </a:fillRef>
-          <a:effectRef idx="0">
-            <a:schemeClr val="accent1"/>
-          </a:effectRef>
-          <a:fontRef idx="minor">
-            <a:schemeClr val="tx1"/>
-          </a:fontRef>
-        </p:style>
-      </p:cxnSp>
-      <p:cxnSp>
-        <p:nvCxnSpPr>
-          <p:cNvPr id="76" name="직선 화살표 연결선 75"/>
-          <p:cNvCxnSpPr>
-            <a:endCxn id="11" idx="0"/>
-          </p:cNvCxnSpPr>
-          <p:nvPr/>
-        </p:nvCxnSpPr>
-        <p:spPr>
-          <a:xfrm>
-            <a:off x="8388424" y="2178575"/>
-            <a:ext cx="0" cy="242313"/>
-          </a:xfrm>
-          <a:prstGeom prst="straightConnector1">
-            <a:avLst/>
-          </a:prstGeom>
-          <a:ln>
-            <a:solidFill>
-              <a:schemeClr val="tx1"/>
-            </a:solidFill>
-            <a:headEnd type="none" w="med" len="med"/>
-            <a:tailEnd type="triangle" w="med" len="med"/>
-          </a:ln>
-        </p:spPr>
-        <p:style>
-          <a:lnRef idx="1">
-            <a:schemeClr val="accent1"/>
-          </a:lnRef>
-          <a:fillRef idx="0">
-            <a:schemeClr val="accent1"/>
-          </a:fillRef>
-          <a:effectRef idx="0">
-            <a:schemeClr val="accent1"/>
-          </a:effectRef>
-          <a:fontRef idx="minor">
-            <a:schemeClr val="tx1"/>
-          </a:fontRef>
-        </p:style>
-      </p:cxnSp>
-      <p:cxnSp>
-        <p:nvCxnSpPr>
-          <p:cNvPr id="94" name="직선 화살표 연결선 93"/>
-          <p:cNvCxnSpPr>
-            <a:stCxn id="12" idx="2"/>
-          </p:cNvCxnSpPr>
-          <p:nvPr/>
-        </p:nvCxnSpPr>
-        <p:spPr>
-          <a:xfrm>
-            <a:off x="694777" y="4437113"/>
-            <a:ext cx="0" cy="190937"/>
-          </a:xfrm>
-          <a:prstGeom prst="straightConnector1">
-            <a:avLst/>
-          </a:prstGeom>
-          <a:ln>
-            <a:solidFill>
-              <a:schemeClr val="tx1"/>
-            </a:solidFill>
-            <a:headEnd type="none" w="med" len="med"/>
-            <a:tailEnd type="triangle" w="med" len="med"/>
-          </a:ln>
-        </p:spPr>
-        <p:style>
-          <a:lnRef idx="1">
-            <a:schemeClr val="accent1"/>
-          </a:lnRef>
-          <a:fillRef idx="0">
-            <a:schemeClr val="accent1"/>
-          </a:fillRef>
-          <a:effectRef idx="0">
-            <a:schemeClr val="accent1"/>
-          </a:effectRef>
-          <a:fontRef idx="minor">
-            <a:schemeClr val="tx1"/>
-          </a:fontRef>
-        </p:style>
-      </p:cxnSp>
-      <p:cxnSp>
-        <p:nvCxnSpPr>
-          <p:cNvPr id="95" name="직선 화살표 연결선 94"/>
-          <p:cNvCxnSpPr>
-            <a:stCxn id="13" idx="2"/>
-          </p:cNvCxnSpPr>
-          <p:nvPr/>
-        </p:nvCxnSpPr>
-        <p:spPr>
-          <a:xfrm>
-            <a:off x="2927025" y="4412026"/>
-            <a:ext cx="0" cy="216024"/>
-          </a:xfrm>
-          <a:prstGeom prst="straightConnector1">
-            <a:avLst/>
-          </a:prstGeom>
-          <a:ln>
-            <a:solidFill>
-              <a:schemeClr val="tx1"/>
-            </a:solidFill>
-            <a:headEnd type="none" w="med" len="med"/>
-            <a:tailEnd type="triangle" w="med" len="med"/>
-          </a:ln>
-        </p:spPr>
-        <p:style>
-          <a:lnRef idx="1">
-            <a:schemeClr val="accent1"/>
-          </a:lnRef>
-          <a:fillRef idx="0">
-            <a:schemeClr val="accent1"/>
-          </a:fillRef>
-          <a:effectRef idx="0">
-            <a:schemeClr val="accent1"/>
-          </a:effectRef>
-          <a:fontRef idx="minor">
-            <a:schemeClr val="tx1"/>
-          </a:fontRef>
-        </p:style>
-      </p:cxnSp>
-      <p:cxnSp>
-        <p:nvCxnSpPr>
-          <p:cNvPr id="96" name="직선 화살표 연결선 95"/>
-          <p:cNvCxnSpPr>
-            <a:stCxn id="14" idx="2"/>
-          </p:cNvCxnSpPr>
-          <p:nvPr/>
-        </p:nvCxnSpPr>
-        <p:spPr>
-          <a:xfrm>
-            <a:off x="5159273" y="4412026"/>
-            <a:ext cx="0" cy="216024"/>
-          </a:xfrm>
-          <a:prstGeom prst="straightConnector1">
-            <a:avLst/>
-          </a:prstGeom>
-          <a:ln>
-            <a:solidFill>
-              <a:schemeClr val="tx1"/>
-            </a:solidFill>
-            <a:headEnd type="none" w="med" len="med"/>
-            <a:tailEnd type="triangle" w="med" len="med"/>
-          </a:ln>
-        </p:spPr>
-        <p:style>
-          <a:lnRef idx="1">
-            <a:schemeClr val="accent1"/>
-          </a:lnRef>
-          <a:fillRef idx="0">
-            <a:schemeClr val="accent1"/>
-          </a:fillRef>
-          <a:effectRef idx="0">
-            <a:schemeClr val="accent1"/>
-          </a:effectRef>
-          <a:fontRef idx="minor">
-            <a:schemeClr val="tx1"/>
-          </a:fontRef>
-        </p:style>
-      </p:cxnSp>
-      <p:cxnSp>
-        <p:nvCxnSpPr>
-          <p:cNvPr id="97" name="직선 화살표 연결선 96"/>
-          <p:cNvCxnSpPr>
-            <a:stCxn id="15" idx="2"/>
-          </p:cNvCxnSpPr>
-          <p:nvPr/>
-        </p:nvCxnSpPr>
-        <p:spPr>
-          <a:xfrm>
-            <a:off x="7380312" y="4412026"/>
-            <a:ext cx="0" cy="216024"/>
-          </a:xfrm>
-          <a:prstGeom prst="straightConnector1">
-            <a:avLst/>
-          </a:prstGeom>
-          <a:ln>
-            <a:solidFill>
-              <a:schemeClr val="tx1"/>
-            </a:solidFill>
-            <a:headEnd type="none" w="med" len="med"/>
-            <a:tailEnd type="triangle" w="med" len="med"/>
-          </a:ln>
-        </p:spPr>
-        <p:style>
-          <a:lnRef idx="1">
-            <a:schemeClr val="accent1"/>
-          </a:lnRef>
-          <a:fillRef idx="0">
-            <a:schemeClr val="accent1"/>
-          </a:fillRef>
-          <a:effectRef idx="0">
-            <a:schemeClr val="accent1"/>
-          </a:effectRef>
-          <a:fontRef idx="minor">
-            <a:schemeClr val="tx1"/>
-          </a:fontRef>
-        </p:style>
-      </p:cxnSp>
-      <p:cxnSp>
-        <p:nvCxnSpPr>
-          <p:cNvPr id="98" name="직선 화살표 연결선 97"/>
-          <p:cNvCxnSpPr>
-            <a:stCxn id="16" idx="2"/>
-          </p:cNvCxnSpPr>
-          <p:nvPr/>
-        </p:nvCxnSpPr>
-        <p:spPr>
-          <a:xfrm>
-            <a:off x="1702889" y="4437114"/>
-            <a:ext cx="0" cy="190936"/>
-          </a:xfrm>
-          <a:prstGeom prst="straightConnector1">
-            <a:avLst/>
-          </a:prstGeom>
-          <a:ln>
-            <a:solidFill>
-              <a:schemeClr val="tx1"/>
-            </a:solidFill>
-            <a:headEnd type="none" w="med" len="med"/>
-            <a:tailEnd type="triangle" w="med" len="med"/>
-          </a:ln>
-        </p:spPr>
-        <p:style>
-          <a:lnRef idx="1">
-            <a:schemeClr val="accent1"/>
-          </a:lnRef>
-          <a:fillRef idx="0">
-            <a:schemeClr val="accent1"/>
-          </a:fillRef>
-          <a:effectRef idx="0">
-            <a:schemeClr val="accent1"/>
-          </a:effectRef>
-          <a:fontRef idx="minor">
-            <a:schemeClr val="tx1"/>
-          </a:fontRef>
-        </p:style>
-      </p:cxnSp>
-      <p:cxnSp>
-        <p:nvCxnSpPr>
-          <p:cNvPr id="99" name="직선 화살표 연결선 98"/>
-          <p:cNvCxnSpPr>
-            <a:stCxn id="17" idx="2"/>
-          </p:cNvCxnSpPr>
-          <p:nvPr/>
-        </p:nvCxnSpPr>
-        <p:spPr>
-          <a:xfrm>
-            <a:off x="3935137" y="4412027"/>
-            <a:ext cx="0" cy="216023"/>
-          </a:xfrm>
-          <a:prstGeom prst="straightConnector1">
-            <a:avLst/>
-          </a:prstGeom>
-          <a:ln>
-            <a:solidFill>
-              <a:schemeClr val="tx1"/>
-            </a:solidFill>
-            <a:headEnd type="none" w="med" len="med"/>
-            <a:tailEnd type="triangle" w="med" len="med"/>
-          </a:ln>
-        </p:spPr>
-        <p:style>
-          <a:lnRef idx="1">
-            <a:schemeClr val="accent1"/>
-          </a:lnRef>
-          <a:fillRef idx="0">
-            <a:schemeClr val="accent1"/>
-          </a:fillRef>
-          <a:effectRef idx="0">
-            <a:schemeClr val="accent1"/>
-          </a:effectRef>
-          <a:fontRef idx="minor">
-            <a:schemeClr val="tx1"/>
-          </a:fontRef>
-        </p:style>
-      </p:cxnSp>
-      <p:cxnSp>
-        <p:nvCxnSpPr>
-          <p:cNvPr id="100" name="직선 화살표 연결선 99"/>
-          <p:cNvCxnSpPr>
-            <a:stCxn id="18" idx="2"/>
-          </p:cNvCxnSpPr>
-          <p:nvPr/>
-        </p:nvCxnSpPr>
-        <p:spPr>
-          <a:xfrm>
-            <a:off x="6167385" y="4412026"/>
-            <a:ext cx="0" cy="195391"/>
-          </a:xfrm>
-          <a:prstGeom prst="straightConnector1">
-            <a:avLst/>
-          </a:prstGeom>
-          <a:ln>
-            <a:solidFill>
-              <a:schemeClr val="tx1"/>
-            </a:solidFill>
-            <a:headEnd type="none" w="med" len="med"/>
-            <a:tailEnd type="triangle" w="med" len="med"/>
-          </a:ln>
-        </p:spPr>
-        <p:style>
-          <a:lnRef idx="1">
-            <a:schemeClr val="accent1"/>
-          </a:lnRef>
-          <a:fillRef idx="0">
-            <a:schemeClr val="accent1"/>
-          </a:fillRef>
-          <a:effectRef idx="0">
-            <a:schemeClr val="accent1"/>
-          </a:effectRef>
-          <a:fontRef idx="minor">
-            <a:schemeClr val="tx1"/>
-          </a:fontRef>
-        </p:style>
-      </p:cxnSp>
-      <p:cxnSp>
-        <p:nvCxnSpPr>
-          <p:cNvPr id="101" name="직선 화살표 연결선 100"/>
-          <p:cNvCxnSpPr>
-            <a:stCxn id="19" idx="2"/>
-          </p:cNvCxnSpPr>
-          <p:nvPr/>
-        </p:nvCxnSpPr>
-        <p:spPr>
-          <a:xfrm>
-            <a:off x="8392215" y="4412027"/>
-            <a:ext cx="0" cy="218249"/>
-          </a:xfrm>
-          <a:prstGeom prst="straightConnector1">
-            <a:avLst/>
-          </a:prstGeom>
-          <a:ln>
-            <a:solidFill>
-              <a:schemeClr val="tx1"/>
-            </a:solidFill>
-            <a:headEnd type="none" w="med" len="med"/>
-            <a:tailEnd type="triangle" w="med" len="med"/>
-          </a:ln>
-        </p:spPr>
-        <p:style>
-          <a:lnRef idx="1">
-            <a:schemeClr val="accent1"/>
-          </a:lnRef>
-          <a:fillRef idx="0">
-            <a:schemeClr val="accent1"/>
-          </a:fillRef>
-          <a:effectRef idx="0">
-            <a:schemeClr val="accent1"/>
-          </a:effectRef>
-          <a:fontRef idx="minor">
-            <a:schemeClr val="tx1"/>
-          </a:fontRef>
-        </p:style>
-      </p:cxnSp>
-      <p:cxnSp>
-        <p:nvCxnSpPr>
-          <p:cNvPr id="79" name="직선 화살표 연결선 78"/>
-          <p:cNvCxnSpPr>
-            <a:stCxn id="35" idx="2"/>
-            <a:endCxn id="58" idx="2"/>
-          </p:cNvCxnSpPr>
-          <p:nvPr/>
-        </p:nvCxnSpPr>
-        <p:spPr>
-          <a:xfrm>
-            <a:off x="4572000" y="1890694"/>
-            <a:ext cx="0" cy="314170"/>
-          </a:xfrm>
-          <a:prstGeom prst="straightConnector1">
-            <a:avLst/>
-          </a:prstGeom>
-          <a:ln>
-            <a:solidFill>
-              <a:schemeClr val="tx1"/>
-            </a:solidFill>
-            <a:headEnd type="none" w="med" len="med"/>
-            <a:tailEnd type="triangle" w="med" len="med"/>
-          </a:ln>
-        </p:spPr>
-        <p:style>
-          <a:lnRef idx="1">
-            <a:schemeClr val="accent1"/>
-          </a:lnRef>
-          <a:fillRef idx="0">
-            <a:schemeClr val="accent1"/>
-          </a:fillRef>
-          <a:effectRef idx="0">
-            <a:schemeClr val="accent1"/>
-          </a:effectRef>
-          <a:fontRef idx="minor">
-            <a:schemeClr val="tx1"/>
-          </a:fontRef>
-        </p:style>
-      </p:cxnSp>
-      <p:sp>
-        <p:nvSpPr>
-          <p:cNvPr id="58" name="직사각형 57"/>
-          <p:cNvSpPr/>
-          <p:nvPr/>
-        </p:nvSpPr>
-        <p:spPr>
-          <a:xfrm>
-            <a:off x="179512" y="2159145"/>
-            <a:ext cx="8784976" cy="45719"/>
-          </a:xfrm>
-          <a:prstGeom prst="rect">
-            <a:avLst/>
-          </a:prstGeom>
-          <a:solidFill>
-            <a:schemeClr val="tx1"/>
-          </a:solidFill>
-          <a:ln>
-            <a:solidFill>
-              <a:schemeClr val="tx1"/>
-            </a:solidFill>
-          </a:ln>
-        </p:spPr>
-        <p:style>
-          <a:lnRef idx="2">
-            <a:schemeClr val="accent1">
-              <a:shade val="50000"/>
-            </a:schemeClr>
-          </a:lnRef>
-          <a:fillRef idx="1">
-            <a:schemeClr val="accent1"/>
-          </a:fillRef>
-          <a:effectRef idx="0">
-            <a:schemeClr val="accent1"/>
-          </a:effectRef>
-          <a:fontRef idx="minor">
-            <a:schemeClr val="lt1"/>
-          </a:fontRef>
-        </p:style>
-        <p:txBody>
-          <a:bodyPr rtlCol="0" anchor="ctr"/>
-          <a:lstStyle/>
-          <a:p>
-            <a:pPr algn="ctr"/>
-            <a:endParaRPr lang="ko-KR" altLang="en-US" sz="1200"/>
-          </a:p>
-        </p:txBody>
-      </p:sp>
-      <p:sp>
-        <p:nvSpPr>
-          <p:cNvPr id="60" name="타원 59"/>
-          <p:cNvSpPr/>
-          <p:nvPr/>
-        </p:nvSpPr>
-        <p:spPr>
-          <a:xfrm>
-            <a:off x="4427984" y="908720"/>
-            <a:ext cx="288032" cy="288032"/>
-          </a:xfrm>
-          <a:prstGeom prst="ellipse">
-            <a:avLst/>
-          </a:prstGeom>
-        </p:spPr>
-        <p:style>
-          <a:lnRef idx="2">
-            <a:schemeClr val="accent1"/>
-          </a:lnRef>
-          <a:fillRef idx="1">
-            <a:schemeClr val="lt1"/>
-          </a:fillRef>
-          <a:effectRef idx="0">
-            <a:schemeClr val="accent1"/>
-          </a:effectRef>
-          <a:fontRef idx="minor">
-            <a:schemeClr val="dk1"/>
-          </a:fontRef>
-        </p:style>
-        <p:txBody>
-          <a:bodyPr rtlCol="0" anchor="ctr"/>
-          <a:lstStyle/>
-          <a:p>
-            <a:pPr algn="ctr"/>
-            <a:endParaRPr lang="ko-KR" altLang="en-US"/>
-          </a:p>
-        </p:txBody>
-      </p:sp>
-      <p:cxnSp>
-        <p:nvCxnSpPr>
-          <p:cNvPr id="62" name="직선 화살표 연결선 61"/>
-          <p:cNvCxnSpPr>
-            <a:stCxn id="60" idx="4"/>
-            <a:endCxn id="35" idx="0"/>
-          </p:cNvCxnSpPr>
-          <p:nvPr/>
-        </p:nvCxnSpPr>
-        <p:spPr>
-          <a:xfrm>
-            <a:off x="4572000" y="1196752"/>
-            <a:ext cx="0" cy="214972"/>
-          </a:xfrm>
-          <a:prstGeom prst="straightConnector1">
-            <a:avLst/>
-          </a:prstGeom>
-          <a:ln>
-            <a:solidFill>
-              <a:schemeClr val="tx1"/>
-            </a:solidFill>
-            <a:headEnd type="none" w="med" len="med"/>
-            <a:tailEnd type="triangle" w="med" len="med"/>
-          </a:ln>
-        </p:spPr>
-        <p:style>
-          <a:lnRef idx="1">
-            <a:schemeClr val="accent1"/>
-          </a:lnRef>
-          <a:fillRef idx="0">
-            <a:schemeClr val="accent1"/>
-          </a:fillRef>
-          <a:effectRef idx="0">
-            <a:schemeClr val="accent1"/>
-          </a:effectRef>
-          <a:fontRef idx="minor">
-            <a:schemeClr val="tx1"/>
-          </a:fontRef>
-        </p:style>
-      </p:cxnSp>
-      <p:sp>
-        <p:nvSpPr>
-          <p:cNvPr id="67" name="타원 66"/>
-          <p:cNvSpPr/>
-          <p:nvPr/>
-        </p:nvSpPr>
-        <p:spPr>
-          <a:xfrm>
-            <a:off x="550761" y="4630276"/>
-            <a:ext cx="288032" cy="288032"/>
-          </a:xfrm>
-          <a:prstGeom prst="ellipse">
-            <a:avLst/>
-          </a:prstGeom>
-          <a:ln w="63500"/>
-        </p:spPr>
-        <p:style>
-          <a:lnRef idx="2">
-            <a:schemeClr val="accent1"/>
-          </a:lnRef>
-          <a:fillRef idx="1">
-            <a:schemeClr val="lt1"/>
-          </a:fillRef>
-          <a:effectRef idx="0">
-            <a:schemeClr val="accent1"/>
-          </a:effectRef>
-          <a:fontRef idx="minor">
-            <a:schemeClr val="dk1"/>
-          </a:fontRef>
-        </p:style>
-        <p:txBody>
-          <a:bodyPr rtlCol="0" anchor="ctr"/>
-          <a:lstStyle/>
-          <a:p>
-            <a:pPr algn="ctr"/>
-            <a:endParaRPr lang="ko-KR" altLang="en-US"/>
-          </a:p>
-        </p:txBody>
-      </p:sp>
-      <p:sp>
-        <p:nvSpPr>
-          <p:cNvPr id="72" name="타원 71"/>
-          <p:cNvSpPr/>
-          <p:nvPr/>
-        </p:nvSpPr>
-        <p:spPr>
-          <a:xfrm>
-            <a:off x="1547664" y="4653136"/>
-            <a:ext cx="288032" cy="288032"/>
-          </a:xfrm>
-          <a:prstGeom prst="ellipse">
-            <a:avLst/>
-          </a:prstGeom>
-          <a:ln w="63500"/>
-        </p:spPr>
-        <p:style>
-          <a:lnRef idx="2">
-            <a:schemeClr val="accent1"/>
-          </a:lnRef>
-          <a:fillRef idx="1">
-            <a:schemeClr val="lt1"/>
-          </a:fillRef>
-          <a:effectRef idx="0">
-            <a:schemeClr val="accent1"/>
-          </a:effectRef>
-          <a:fontRef idx="minor">
-            <a:schemeClr val="dk1"/>
-          </a:fontRef>
-        </p:style>
-        <p:txBody>
-          <a:bodyPr rtlCol="0" anchor="ctr"/>
-          <a:lstStyle/>
-          <a:p>
-            <a:pPr algn="ctr"/>
-            <a:endParaRPr lang="ko-KR" altLang="en-US"/>
-          </a:p>
-        </p:txBody>
-      </p:sp>
-      <p:sp>
-        <p:nvSpPr>
-          <p:cNvPr id="80" name="타원 79"/>
-          <p:cNvSpPr/>
-          <p:nvPr/>
-        </p:nvSpPr>
-        <p:spPr>
-          <a:xfrm>
-            <a:off x="2771800" y="4653136"/>
-            <a:ext cx="288032" cy="288032"/>
-          </a:xfrm>
-          <a:prstGeom prst="ellipse">
-            <a:avLst/>
-          </a:prstGeom>
-          <a:ln w="63500"/>
-        </p:spPr>
-        <p:style>
-          <a:lnRef idx="2">
-            <a:schemeClr val="accent1"/>
-          </a:lnRef>
-          <a:fillRef idx="1">
-            <a:schemeClr val="lt1"/>
-          </a:fillRef>
-          <a:effectRef idx="0">
-            <a:schemeClr val="accent1"/>
-          </a:effectRef>
-          <a:fontRef idx="minor">
-            <a:schemeClr val="dk1"/>
-          </a:fontRef>
-        </p:style>
-        <p:txBody>
-          <a:bodyPr rtlCol="0" anchor="ctr"/>
-          <a:lstStyle/>
-          <a:p>
-            <a:pPr algn="ctr"/>
-            <a:endParaRPr lang="ko-KR" altLang="en-US"/>
-          </a:p>
-        </p:txBody>
-      </p:sp>
-      <p:sp>
-        <p:nvSpPr>
-          <p:cNvPr id="81" name="타원 80"/>
-          <p:cNvSpPr/>
-          <p:nvPr/>
-        </p:nvSpPr>
-        <p:spPr>
-          <a:xfrm>
-            <a:off x="3779912" y="4653136"/>
-            <a:ext cx="288032" cy="288032"/>
-          </a:xfrm>
-          <a:prstGeom prst="ellipse">
-            <a:avLst/>
-          </a:prstGeom>
-          <a:ln w="63500"/>
-        </p:spPr>
-        <p:style>
-          <a:lnRef idx="2">
-            <a:schemeClr val="accent1"/>
-          </a:lnRef>
-          <a:fillRef idx="1">
-            <a:schemeClr val="lt1"/>
-          </a:fillRef>
-          <a:effectRef idx="0">
-            <a:schemeClr val="accent1"/>
-          </a:effectRef>
-          <a:fontRef idx="minor">
-            <a:schemeClr val="dk1"/>
-          </a:fontRef>
-        </p:style>
-        <p:txBody>
-          <a:bodyPr rtlCol="0" anchor="ctr"/>
-          <a:lstStyle/>
-          <a:p>
-            <a:pPr algn="ctr"/>
-            <a:endParaRPr lang="ko-KR" altLang="en-US"/>
-          </a:p>
-        </p:txBody>
-      </p:sp>
-      <p:sp>
-        <p:nvSpPr>
-          <p:cNvPr id="82" name="타원 81"/>
-          <p:cNvSpPr/>
-          <p:nvPr/>
-        </p:nvSpPr>
-        <p:spPr>
-          <a:xfrm>
-            <a:off x="5004048" y="4653136"/>
-            <a:ext cx="288032" cy="288032"/>
-          </a:xfrm>
-          <a:prstGeom prst="ellipse">
-            <a:avLst/>
-          </a:prstGeom>
-          <a:ln w="63500"/>
-        </p:spPr>
-        <p:style>
-          <a:lnRef idx="2">
-            <a:schemeClr val="accent1"/>
-          </a:lnRef>
-          <a:fillRef idx="1">
-            <a:schemeClr val="lt1"/>
-          </a:fillRef>
-          <a:effectRef idx="0">
-            <a:schemeClr val="accent1"/>
-          </a:effectRef>
-          <a:fontRef idx="minor">
-            <a:schemeClr val="dk1"/>
-          </a:fontRef>
-        </p:style>
-        <p:txBody>
-          <a:bodyPr rtlCol="0" anchor="ctr"/>
-          <a:lstStyle/>
-          <a:p>
-            <a:pPr algn="ctr"/>
-            <a:endParaRPr lang="ko-KR" altLang="en-US"/>
-          </a:p>
-        </p:txBody>
-      </p:sp>
-      <p:sp>
-        <p:nvSpPr>
-          <p:cNvPr id="83" name="타원 82"/>
-          <p:cNvSpPr/>
-          <p:nvPr/>
-        </p:nvSpPr>
-        <p:spPr>
-          <a:xfrm>
-            <a:off x="6012160" y="4653136"/>
-            <a:ext cx="288032" cy="288032"/>
-          </a:xfrm>
-          <a:prstGeom prst="ellipse">
-            <a:avLst/>
-          </a:prstGeom>
-          <a:ln w="63500"/>
-        </p:spPr>
-        <p:style>
-          <a:lnRef idx="2">
-            <a:schemeClr val="accent1"/>
-          </a:lnRef>
-          <a:fillRef idx="1">
-            <a:schemeClr val="lt1"/>
-          </a:fillRef>
-          <a:effectRef idx="0">
-            <a:schemeClr val="accent1"/>
-          </a:effectRef>
-          <a:fontRef idx="minor">
-            <a:schemeClr val="dk1"/>
-          </a:fontRef>
-        </p:style>
-        <p:txBody>
-          <a:bodyPr rtlCol="0" anchor="ctr"/>
-          <a:lstStyle/>
-          <a:p>
-            <a:pPr algn="ctr"/>
-            <a:endParaRPr lang="ko-KR" altLang="en-US"/>
-          </a:p>
-        </p:txBody>
-      </p:sp>
-      <p:sp>
-        <p:nvSpPr>
-          <p:cNvPr id="86" name="타원 85"/>
-          <p:cNvSpPr/>
-          <p:nvPr/>
-        </p:nvSpPr>
-        <p:spPr>
-          <a:xfrm>
-            <a:off x="7236296" y="4653136"/>
-            <a:ext cx="288032" cy="288032"/>
-          </a:xfrm>
-          <a:prstGeom prst="ellipse">
-            <a:avLst/>
-          </a:prstGeom>
-          <a:ln w="63500"/>
-        </p:spPr>
-        <p:style>
-          <a:lnRef idx="2">
-            <a:schemeClr val="accent1"/>
-          </a:lnRef>
-          <a:fillRef idx="1">
-            <a:schemeClr val="lt1"/>
-          </a:fillRef>
-          <a:effectRef idx="0">
-            <a:schemeClr val="accent1"/>
-          </a:effectRef>
-          <a:fontRef idx="minor">
-            <a:schemeClr val="dk1"/>
-          </a:fontRef>
-        </p:style>
-        <p:txBody>
-          <a:bodyPr rtlCol="0" anchor="ctr"/>
-          <a:lstStyle/>
-          <a:p>
-            <a:pPr algn="ctr"/>
-            <a:endParaRPr lang="ko-KR" altLang="en-US"/>
-          </a:p>
-        </p:txBody>
-      </p:sp>
-      <p:sp>
-        <p:nvSpPr>
-          <p:cNvPr id="87" name="타원 86"/>
-          <p:cNvSpPr/>
-          <p:nvPr/>
-        </p:nvSpPr>
-        <p:spPr>
-          <a:xfrm>
-            <a:off x="8244408" y="4653136"/>
-            <a:ext cx="288032" cy="288032"/>
-          </a:xfrm>
-          <a:prstGeom prst="ellipse">
-            <a:avLst/>
-          </a:prstGeom>
-          <a:ln w="63500"/>
-        </p:spPr>
-        <p:style>
-          <a:lnRef idx="2">
-            <a:schemeClr val="accent1"/>
-          </a:lnRef>
-          <a:fillRef idx="1">
-            <a:schemeClr val="lt1"/>
-          </a:fillRef>
-          <a:effectRef idx="0">
-            <a:schemeClr val="accent1"/>
-          </a:effectRef>
-          <a:fontRef idx="minor">
-            <a:schemeClr val="dk1"/>
-          </a:fontRef>
-        </p:style>
-        <p:txBody>
-          <a:bodyPr rtlCol="0" anchor="ctr"/>
-          <a:lstStyle/>
-          <a:p>
-            <a:pPr algn="ctr"/>
-            <a:endParaRPr lang="ko-KR" altLang="en-US"/>
-          </a:p>
-        </p:txBody>
-      </p:sp>
-    </p:spTree>
-    <p:extLst>
-      <p:ext uri="{BB962C8B-B14F-4D97-AF65-F5344CB8AC3E}">
-        <p14:creationId xmlns:p14="http://schemas.microsoft.com/office/powerpoint/2010/main" val="452557196"/>
-      </p:ext>
-    </p:extLst>
-  </p:cSld>
-  <p:clrMapOvr>
-    <a:masterClrMapping/>
-  </p:clrMapOvr>
-  <p:timing>
-    <p:tnLst>
-      <p:par>
-        <p:cTn id="1" dur="indefinite" restart="never" nodeType="tmRoot"/>
-      </p:par>
-    </p:tnLst>
-  </p:timing>
-</p:sld>
-</file>
-
-<file path=ppt/slides/slide2.xml><?xml version="1.0" encoding="utf-8"?>
-<p:sld xmlns:a="http://schemas.openxmlformats.org/drawingml/2006/main" xmlns:r="http://schemas.openxmlformats.org/officeDocument/2006/relationships" xmlns:p="http://schemas.openxmlformats.org/presentationml/2006/main">
-  <p:cSld>
-    <p:spTree>
-      <p:nvGrpSpPr>
-        <p:cNvPr id="1" name=""/>
-        <p:cNvGrpSpPr/>
-        <p:nvPr/>
-      </p:nvGrpSpPr>
-      <p:grpSpPr>
-        <a:xfrm>
-          <a:off x="0" y="0"/>
-          <a:ext cx="0" cy="0"/>
-          <a:chOff x="0" y="0"/>
-          <a:chExt cx="0" cy="0"/>
-        </a:xfrm>
-      </p:grpSpPr>
-      <p:sp>
-        <p:nvSpPr>
-          <p:cNvPr id="4" name="모서리가 둥근 직사각형 3"/>
-          <p:cNvSpPr/>
-          <p:nvPr/>
-        </p:nvSpPr>
-        <p:spPr>
-          <a:xfrm>
             <a:off x="179512" y="4221089"/>
             <a:ext cx="2088232" cy="400496"/>
           </a:xfrm>
@@ -7901,6 +5496,56 @@
           </a:p>
         </p:txBody>
       </p:sp>
+      <p:sp>
+        <p:nvSpPr>
+          <p:cNvPr id="32" name="TextBox 31"/>
+          <p:cNvSpPr txBox="1"/>
+          <p:nvPr/>
+        </p:nvSpPr>
+        <p:spPr>
+          <a:xfrm>
+            <a:off x="236904" y="179348"/>
+            <a:ext cx="3553986" cy="369332"/>
+          </a:xfrm>
+          <a:prstGeom prst="rect">
+            <a:avLst/>
+          </a:prstGeom>
+          <a:noFill/>
+        </p:spPr>
+        <p:txBody>
+          <a:bodyPr wrap="none" rtlCol="0">
+            <a:spAutoFit/>
+          </a:bodyPr>
+          <a:lstStyle/>
+          <a:p>
+            <a:r>
+              <a:rPr lang="ko-KR" altLang="en-US" dirty="0"/>
+              <a:t>병렬 </a:t>
+            </a:r>
+            <a:r>
+              <a:rPr lang="en-US" altLang="ko-KR" dirty="0"/>
+              <a:t>Prepare </a:t>
+            </a:r>
+            <a:r>
+              <a:rPr lang="en-US" altLang="ko-KR" dirty="0" smtClean="0"/>
+              <a:t>, </a:t>
+            </a:r>
+            <a:r>
+              <a:rPr lang="ko-KR" altLang="en-US" dirty="0" smtClean="0"/>
+              <a:t>직렬 </a:t>
+            </a:r>
+            <a:r>
+              <a:rPr lang="en-US" altLang="ko-KR" dirty="0" smtClean="0"/>
+              <a:t>Deploy </a:t>
+            </a:r>
+            <a:r>
+              <a:rPr lang="ko-KR" altLang="en-US" dirty="0"/>
+              <a:t>방식</a:t>
+            </a:r>
+            <a:endParaRPr lang="ko-KR" altLang="en-US" dirty="0"/>
+          </a:p>
+        </p:txBody>
+      </p:sp>
     </p:spTree>
     <p:extLst>
       <p:ext uri="{BB962C8B-B14F-4D97-AF65-F5344CB8AC3E}">
@@ -7921,7 +5566,7 @@
 </p:sld>
 </file>
 
-<file path=ppt/slides/slide3.xml><?xml version="1.0" encoding="utf-8"?>
+<file path=ppt/slides/slide2.xml><?xml version="1.0" encoding="utf-8"?>
 <p:sld xmlns:a="http://schemas.openxmlformats.org/drawingml/2006/main" xmlns:r="http://schemas.openxmlformats.org/officeDocument/2006/relationships" xmlns:p="http://schemas.openxmlformats.org/presentationml/2006/main">
   <p:cSld>
     <p:spTree>
@@ -9710,6 +7355,72 @@
           </a:p>
         </p:txBody>
       </p:sp>
+      <p:sp>
+        <p:nvSpPr>
+          <p:cNvPr id="37" name="TextBox 36"/>
+          <p:cNvSpPr txBox="1"/>
+          <p:nvPr/>
+        </p:nvSpPr>
+        <p:spPr>
+          <a:xfrm>
+            <a:off x="236904" y="179348"/>
+            <a:ext cx="5500288" cy="369332"/>
+          </a:xfrm>
+          <a:prstGeom prst="rect">
+            <a:avLst/>
+          </a:prstGeom>
+          <a:noFill/>
+        </p:spPr>
+        <p:txBody>
+          <a:bodyPr wrap="none" rtlCol="0">
+            <a:spAutoFit/>
+          </a:bodyPr>
+          <a:lstStyle/>
+          <a:p>
+            <a:r>
+              <a:rPr lang="ko-KR" altLang="en-US" dirty="0"/>
+              <a:t>병렬 </a:t>
+            </a:r>
+            <a:r>
+              <a:rPr lang="en-US" altLang="ko-KR" dirty="0"/>
+              <a:t>Prepare </a:t>
+            </a:r>
+            <a:r>
+              <a:rPr lang="en-US" altLang="ko-KR" dirty="0" smtClean="0"/>
+              <a:t>, </a:t>
+            </a:r>
+            <a:r>
+              <a:rPr lang="ko-KR" altLang="en-US" dirty="0" smtClean="0"/>
+              <a:t>직렬 </a:t>
+            </a:r>
+            <a:r>
+              <a:rPr lang="en-US" altLang="ko-KR" dirty="0" smtClean="0"/>
+              <a:t>Deploy </a:t>
+            </a:r>
+            <a:r>
+              <a:rPr lang="ko-KR" altLang="en-US" dirty="0" smtClean="0"/>
+              <a:t>방식</a:t>
+            </a:r>
+            <a:r>
+              <a:rPr lang="en-US" altLang="ko-KR" dirty="0" smtClean="0"/>
+              <a:t>, </a:t>
+            </a:r>
+            <a:r>
+              <a:rPr lang="ko-KR" altLang="en-US" dirty="0" smtClean="0"/>
+              <a:t>직렬 </a:t>
+            </a:r>
+            <a:r>
+              <a:rPr lang="en-US" altLang="ko-KR" dirty="0" smtClean="0"/>
+              <a:t>Restart </a:t>
+            </a:r>
+            <a:r>
+              <a:rPr lang="ko-KR" altLang="en-US" dirty="0" smtClean="0"/>
+              <a:t>방식</a:t>
+            </a:r>
+            <a:endParaRPr lang="ko-KR" altLang="en-US" dirty="0"/>
+          </a:p>
+        </p:txBody>
+      </p:sp>
     </p:spTree>
     <p:extLst>
       <p:ext uri="{BB962C8B-B14F-4D97-AF65-F5344CB8AC3E}">
@@ -9730,7 +7441,7 @@
 </p:sld>
 </file>
 
-<file path=ppt/slides/slide4.xml><?xml version="1.0" encoding="utf-8"?>
+<file path=ppt/slides/slide3.xml><?xml version="1.0" encoding="utf-8"?>
 <p:sld xmlns:a="http://schemas.openxmlformats.org/drawingml/2006/main" xmlns:r="http://schemas.openxmlformats.org/officeDocument/2006/relationships" xmlns:p="http://schemas.openxmlformats.org/presentationml/2006/main">
   <p:cSld>
     <p:spTree>
@@ -11844,6 +9555,60 @@
           </a:graphicData>
         </a:graphic>
       </p:graphicFrame>
+      <p:sp>
+        <p:nvSpPr>
+          <p:cNvPr id="44" name="TextBox 43"/>
+          <p:cNvSpPr txBox="1"/>
+          <p:nvPr/>
+        </p:nvSpPr>
+        <p:spPr>
+          <a:xfrm>
+            <a:off x="236904" y="179348"/>
+            <a:ext cx="4862741" cy="369332"/>
+          </a:xfrm>
+          <a:prstGeom prst="rect">
+            <a:avLst/>
+          </a:prstGeom>
+          <a:noFill/>
+        </p:spPr>
+        <p:txBody>
+          <a:bodyPr wrap="none" rtlCol="0">
+            <a:spAutoFit/>
+          </a:bodyPr>
+          <a:lstStyle/>
+          <a:p>
+            <a:r>
+              <a:rPr lang="ko-KR" altLang="en-US" dirty="0" smtClean="0"/>
+              <a:t>병렬 </a:t>
+            </a:r>
+            <a:r>
+              <a:rPr lang="en-US" altLang="ko-KR" dirty="0" smtClean="0"/>
+              <a:t>Prepare ,</a:t>
+            </a:r>
+            <a:r>
+              <a:rPr lang="ko-KR" altLang="en-US" dirty="0" smtClean="0"/>
+              <a:t>병렬 </a:t>
+            </a:r>
+            <a:r>
+              <a:rPr lang="en-US" altLang="ko-KR" dirty="0" smtClean="0"/>
+              <a:t>Deploy, </a:t>
+            </a:r>
+            <a:r>
+              <a:rPr lang="ko-KR" altLang="en-US" dirty="0" smtClean="0"/>
+              <a:t>일괄 </a:t>
+            </a:r>
+            <a:r>
+              <a:rPr lang="en-US" altLang="ko-KR" dirty="0" smtClean="0"/>
+              <a:t>Restart </a:t>
+            </a:r>
+            <a:r>
+              <a:rPr lang="ko-KR" altLang="en-US" dirty="0" smtClean="0"/>
+              <a:t>방식</a:t>
+            </a:r>
+            <a:endParaRPr lang="ko-KR" altLang="en-US" dirty="0"/>
+          </a:p>
+        </p:txBody>
+      </p:sp>
     </p:spTree>
     <p:extLst>
       <p:ext uri="{BB962C8B-B14F-4D97-AF65-F5344CB8AC3E}">
@@ -11864,7 +9629,7 @@
 </p:sld>
 </file>
 
-<file path=ppt/slides/slide5.xml><?xml version="1.0" encoding="utf-8"?>
+<file path=ppt/slides/slide4.xml><?xml version="1.0" encoding="utf-8"?>
 <p:sld xmlns:a="http://schemas.openxmlformats.org/drawingml/2006/main" xmlns:r="http://schemas.openxmlformats.org/officeDocument/2006/relationships" xmlns:p="http://schemas.openxmlformats.org/presentationml/2006/main">
   <p:cSld>
     <p:spTree>
@@ -14555,6 +12320,63 @@
           </a:graphicData>
         </a:graphic>
       </p:graphicFrame>
+      <p:sp>
+        <p:nvSpPr>
+          <p:cNvPr id="56" name="TextBox 55"/>
+          <p:cNvSpPr txBox="1"/>
+          <p:nvPr/>
+        </p:nvSpPr>
+        <p:spPr>
+          <a:xfrm>
+            <a:off x="236904" y="179348"/>
+            <a:ext cx="3687484" cy="646331"/>
+          </a:xfrm>
+          <a:prstGeom prst="rect">
+            <a:avLst/>
+          </a:prstGeom>
+          <a:noFill/>
+        </p:spPr>
+        <p:txBody>
+          <a:bodyPr wrap="none" rtlCol="0">
+            <a:spAutoFit/>
+          </a:bodyPr>
+          <a:lstStyle/>
+          <a:p>
+            <a:r>
+              <a:rPr lang="ko-KR" altLang="en-US" dirty="0" smtClean="0"/>
+              <a:t>서버 별 병렬 처리 방식</a:t>
+            </a:r>
+            <a:endParaRPr lang="en-US" altLang="ko-KR" dirty="0" smtClean="0"/>
+          </a:p>
+          <a:p>
+            <a:r>
+              <a:rPr lang="en-US" altLang="ko-KR" dirty="0" smtClean="0"/>
+              <a:t>- </a:t>
+            </a:r>
+            <a:r>
+              <a:rPr lang="ko-KR" altLang="en-US" dirty="0" smtClean="0"/>
+              <a:t>병렬 </a:t>
+            </a:r>
+            <a:r>
+              <a:rPr lang="en-US" altLang="ko-KR" dirty="0" smtClean="0"/>
+              <a:t>Prepare ,</a:t>
+            </a:r>
+            <a:r>
+              <a:rPr lang="ko-KR" altLang="en-US" dirty="0" smtClean="0"/>
+              <a:t>병렬 </a:t>
+            </a:r>
+            <a:r>
+              <a:rPr lang="en-US" altLang="ko-KR" dirty="0" smtClean="0"/>
+              <a:t>Deploy </a:t>
+            </a:r>
+            <a:r>
+              <a:rPr lang="ko-KR" altLang="en-US" dirty="0" smtClean="0"/>
+              <a:t>방식</a:t>
+            </a:r>
+            <a:endParaRPr lang="ko-KR" altLang="en-US" dirty="0"/>
+          </a:p>
+        </p:txBody>
+      </p:sp>
     </p:spTree>
     <p:extLst>
       <p:ext uri="{BB962C8B-B14F-4D97-AF65-F5344CB8AC3E}">
@@ -14575,7 +12397,7 @@
 </p:sld>
 </file>
 
-<file path=ppt/slides/slide6.xml><?xml version="1.0" encoding="utf-8"?>
+<file path=ppt/slides/slide5.xml><?xml version="1.0" encoding="utf-8"?>
 <p:sld xmlns:a="http://schemas.openxmlformats.org/drawingml/2006/main" xmlns:r="http://schemas.openxmlformats.org/officeDocument/2006/relationships" xmlns:p="http://schemas.openxmlformats.org/presentationml/2006/main">
   <p:cSld>
     <p:spTree>
@@ -17432,6 +15254,75 @@
           </a:graphicData>
         </a:graphic>
       </p:graphicFrame>
+      <p:sp>
+        <p:nvSpPr>
+          <p:cNvPr id="60" name="TextBox 59"/>
+          <p:cNvSpPr txBox="1"/>
+          <p:nvPr/>
+        </p:nvSpPr>
+        <p:spPr>
+          <a:xfrm>
+            <a:off x="236904" y="179348"/>
+            <a:ext cx="5039072" cy="646331"/>
+          </a:xfrm>
+          <a:prstGeom prst="rect">
+            <a:avLst/>
+          </a:prstGeom>
+          <a:noFill/>
+        </p:spPr>
+        <p:txBody>
+          <a:bodyPr wrap="none" rtlCol="0">
+            <a:spAutoFit/>
+          </a:bodyPr>
+          <a:lstStyle/>
+          <a:p>
+            <a:r>
+              <a:rPr lang="ko-KR" altLang="en-US" smtClean="0"/>
+              <a:t>서버 별 </a:t>
+            </a:r>
+            <a:r>
+              <a:rPr lang="ko-KR" altLang="en-US" dirty="0" smtClean="0"/>
+              <a:t>병렬 처리 방식</a:t>
+            </a:r>
+            <a:endParaRPr lang="en-US" altLang="ko-KR" dirty="0" smtClean="0"/>
+          </a:p>
+          <a:p>
+            <a:r>
+              <a:rPr lang="en-US" altLang="ko-KR" dirty="0" smtClean="0"/>
+              <a:t>- </a:t>
+            </a:r>
+            <a:r>
+              <a:rPr lang="ko-KR" altLang="en-US" dirty="0" smtClean="0"/>
+              <a:t>병렬 </a:t>
+            </a:r>
+            <a:r>
+              <a:rPr lang="en-US" altLang="ko-KR" dirty="0" smtClean="0"/>
+              <a:t>Prepare ,</a:t>
+            </a:r>
+            <a:r>
+              <a:rPr lang="ko-KR" altLang="en-US" dirty="0" smtClean="0"/>
+              <a:t>병렬 </a:t>
+            </a:r>
+            <a:r>
+              <a:rPr lang="en-US" altLang="ko-KR" dirty="0" smtClean="0"/>
+              <a:t>Deploy, </a:t>
+            </a:r>
+            <a:r>
+              <a:rPr lang="ko-KR" altLang="en-US" dirty="0" smtClean="0"/>
+              <a:t>일괄 </a:t>
+            </a:r>
+            <a:r>
+              <a:rPr lang="en-US" altLang="ko-KR" dirty="0" smtClean="0"/>
+              <a:t>Restart </a:t>
+            </a:r>
+            <a:r>
+              <a:rPr lang="ko-KR" altLang="en-US" dirty="0" smtClean="0"/>
+              <a:t>방식</a:t>
+            </a:r>
+            <a:endParaRPr lang="ko-KR" altLang="en-US" dirty="0"/>
+          </a:p>
+        </p:txBody>
+      </p:sp>
     </p:spTree>
     <p:extLst>
       <p:ext uri="{BB962C8B-B14F-4D97-AF65-F5344CB8AC3E}">
